--- a/2017-05_DRG_GenAssembly_ver.1.pptx
+++ b/2017-05_DRG_GenAssembly_ver.1.pptx
@@ -21,11 +21,12 @@
     <p:sldId id="269" r:id="rId15"/>
     <p:sldId id="270" r:id="rId16"/>
     <p:sldId id="271" r:id="rId17"/>
-    <p:sldId id="272" r:id="rId18"/>
-    <p:sldId id="273" r:id="rId19"/>
-    <p:sldId id="274" r:id="rId20"/>
-    <p:sldId id="275" r:id="rId21"/>
-    <p:sldId id="276" r:id="rId22"/>
+    <p:sldId id="277" r:id="rId18"/>
+    <p:sldId id="272" r:id="rId19"/>
+    <p:sldId id="273" r:id="rId20"/>
+    <p:sldId id="274" r:id="rId21"/>
+    <p:sldId id="275" r:id="rId22"/>
+    <p:sldId id="276" r:id="rId23"/>
   </p:sldIdLst>
   <p:sldSz cx="9144000" cy="5143500" type="screen16x9"/>
   <p:notesSz cx="6858000" cy="9144000"/>
@@ -124,7 +125,27 @@
       </a:defRPr>
     </a:lvl9pPr>
   </p:defaultTextStyle>
+  <p:extLst>
+    <p:ext uri="{EFAFB233-063F-42B5-8137-9DF3F51BA10A}">
+      <p15:sldGuideLst xmlns:p15="http://schemas.microsoft.com/office/powerpoint/2012/main">
+        <p15:guide id="1" orient="horz" pos="1620">
+          <p15:clr>
+            <a:srgbClr val="A4A3A4"/>
+          </p15:clr>
+        </p15:guide>
+        <p15:guide id="2" pos="2880">
+          <p15:clr>
+            <a:srgbClr val="A4A3A4"/>
+          </p15:clr>
+        </p15:guide>
+      </p15:sldGuideLst>
+    </p:ext>
+  </p:extLst>
 </p:presentation>
+</file>
+
+<file path=ppt/revisionInfo.xml><?xml version="1.0" encoding="utf-8"?>
+<p1510:revInfo xmlns:a="http://schemas.openxmlformats.org/drawingml/2006/main" xmlns:r="http://schemas.openxmlformats.org/officeDocument/2006/relationships" xmlns:p1510="http://schemas.microsoft.com/office/powerpoint/2015/10/main"/>
 </file>
 
 <file path=ppt/diagrams/colors1.xml><?xml version="1.0" encoding="utf-8"?>
@@ -1061,7 +1082,7 @@
         <a:lstStyle/>
         <a:p>
           <a:r>
-            <a:rPr lang="en-US" smtClean="0">
+            <a:rPr lang="en-US">
               <a:solidFill>
                 <a:schemeClr val="tx1">
                   <a:lumMod val="75000"/>
@@ -1071,14 +1092,6 @@
             </a:rPr>
             <a:t>More up-to-date income statistics</a:t>
           </a:r>
-          <a:endParaRPr lang="en-US">
-            <a:solidFill>
-              <a:schemeClr val="tx1">
-                <a:lumMod val="75000"/>
-                <a:lumOff val="25000"/>
-              </a:schemeClr>
-            </a:solidFill>
-          </a:endParaRPr>
         </a:p>
       </dgm:t>
     </dgm:pt>
@@ -1126,7 +1139,7 @@
         <a:lstStyle/>
         <a:p>
           <a:r>
-            <a:rPr lang="en-US" smtClean="0">
+            <a:rPr lang="en-US">
               <a:solidFill>
                 <a:schemeClr val="tx1">
                   <a:lumMod val="75000"/>
@@ -1191,7 +1204,7 @@
         <a:lstStyle/>
         <a:p>
           <a:r>
-            <a:rPr lang="en-US" dirty="0" smtClean="0">
+            <a:rPr lang="en-US" dirty="0">
               <a:solidFill>
                 <a:schemeClr val="tx1">
                   <a:lumMod val="75000"/>
@@ -1201,14 +1214,6 @@
             </a:rPr>
             <a:t>Pull additional data from Census: educational attainment, employment by industry, etc.</a:t>
           </a:r>
-          <a:endParaRPr lang="en-US" dirty="0">
-            <a:solidFill>
-              <a:schemeClr val="tx1">
-                <a:lumMod val="75000"/>
-                <a:lumOff val="25000"/>
-              </a:schemeClr>
-            </a:solidFill>
-          </a:endParaRPr>
         </a:p>
       </dgm:t>
     </dgm:pt>
@@ -1261,13 +1266,6 @@
     <dgm:pt modelId="{88E51031-DA78-4D8B-9C62-1914994045E5}" type="pres">
       <dgm:prSet presAssocID="{91DB51B7-AE78-4D39-BE46-EE12D320A3D2}" presName="circ1" presStyleLbl="vennNode1" presStyleIdx="0" presStyleCnt="3"/>
       <dgm:spPr/>
-      <dgm:t>
-        <a:bodyPr/>
-        <a:lstStyle/>
-        <a:p>
-          <a:endParaRPr lang="en-US"/>
-        </a:p>
-      </dgm:t>
     </dgm:pt>
     <dgm:pt modelId="{F2AE5986-159B-4602-890E-2BF0496FD6DF}" type="pres">
       <dgm:prSet presAssocID="{91DB51B7-AE78-4D39-BE46-EE12D320A3D2}" presName="circ1Tx" presStyleLbl="revTx" presStyleIdx="0" presStyleCnt="0">
@@ -1278,13 +1276,6 @@
         </dgm:presLayoutVars>
       </dgm:prSet>
       <dgm:spPr/>
-      <dgm:t>
-        <a:bodyPr/>
-        <a:lstStyle/>
-        <a:p>
-          <a:endParaRPr lang="en-US"/>
-        </a:p>
-      </dgm:t>
     </dgm:pt>
     <dgm:pt modelId="{CE3C9573-D577-4D7D-A197-D27FB2EA5628}" type="pres">
       <dgm:prSet presAssocID="{D5F26736-91A5-4F26-A82A-243F037C7EED}" presName="circ2" presStyleLbl="vennNode1" presStyleIdx="1" presStyleCnt="3"/>
@@ -1303,13 +1294,6 @@
     <dgm:pt modelId="{B57BFDED-5537-48E0-A5B3-C0E89F458E3C}" type="pres">
       <dgm:prSet presAssocID="{536E7216-F464-45E8-99F5-F7FA68384876}" presName="circ3" presStyleLbl="vennNode1" presStyleIdx="2" presStyleCnt="3"/>
       <dgm:spPr/>
-      <dgm:t>
-        <a:bodyPr/>
-        <a:lstStyle/>
-        <a:p>
-          <a:endParaRPr lang="en-US"/>
-        </a:p>
-      </dgm:t>
     </dgm:pt>
     <dgm:pt modelId="{F619E579-24D7-435A-A414-DB1240153699}" type="pres">
       <dgm:prSet presAssocID="{536E7216-F464-45E8-99F5-F7FA68384876}" presName="circ3Tx" presStyleLbl="revTx" presStyleIdx="0" presStyleCnt="0">
@@ -1320,26 +1304,19 @@
         </dgm:presLayoutVars>
       </dgm:prSet>
       <dgm:spPr/>
-      <dgm:t>
-        <a:bodyPr/>
-        <a:lstStyle/>
-        <a:p>
-          <a:endParaRPr lang="en-US"/>
-        </a:p>
-      </dgm:t>
     </dgm:pt>
   </dgm:ptLst>
   <dgm:cxnLst>
-    <dgm:cxn modelId="{07C43187-825D-4066-8D6F-799CBDB0B351}" type="presOf" srcId="{FFAD6191-46C3-4C7D-A9C0-727DE818C99C}" destId="{84A5D329-3B65-41DE-AA52-F1D49203816E}" srcOrd="0" destOrd="0" presId="urn:microsoft.com/office/officeart/2005/8/layout/venn1"/>
-    <dgm:cxn modelId="{084630F6-EF54-4C4B-AD79-51A5A1E5084F}" type="presOf" srcId="{536E7216-F464-45E8-99F5-F7FA68384876}" destId="{F619E579-24D7-435A-A414-DB1240153699}" srcOrd="1" destOrd="0" presId="urn:microsoft.com/office/officeart/2005/8/layout/venn1"/>
     <dgm:cxn modelId="{FA50D323-D4D2-4F78-B0E7-F17B65EBD1A7}" type="presOf" srcId="{91DB51B7-AE78-4D39-BE46-EE12D320A3D2}" destId="{88E51031-DA78-4D8B-9C62-1914994045E5}" srcOrd="0" destOrd="0" presId="urn:microsoft.com/office/officeart/2005/8/layout/venn1"/>
-    <dgm:cxn modelId="{DA1BA576-1AA5-4FAC-B01F-ED099A1FBA0B}" srcId="{FFAD6191-46C3-4C7D-A9C0-727DE818C99C}" destId="{91DB51B7-AE78-4D39-BE46-EE12D320A3D2}" srcOrd="0" destOrd="0" parTransId="{E4670471-FD65-4FCF-B451-0A20F4321B49}" sibTransId="{1AC55F18-9859-488E-A031-B2A88CE06BB1}"/>
-    <dgm:cxn modelId="{59DD7EB1-B980-4C6C-B9A5-FA0E18AC7FC6}" srcId="{FFAD6191-46C3-4C7D-A9C0-727DE818C99C}" destId="{536E7216-F464-45E8-99F5-F7FA68384876}" srcOrd="2" destOrd="0" parTransId="{14F43D4E-03FF-493F-9BF8-F31E159E6885}" sibTransId="{B1614C14-1394-4EF9-A53B-8464135E452D}"/>
-    <dgm:cxn modelId="{5B8D3392-E945-4BEE-9CE1-7DE8BDB80333}" type="presOf" srcId="{D5F26736-91A5-4F26-A82A-243F037C7EED}" destId="{CE3C9573-D577-4D7D-A197-D27FB2EA5628}" srcOrd="0" destOrd="0" presId="urn:microsoft.com/office/officeart/2005/8/layout/venn1"/>
-    <dgm:cxn modelId="{A9B137EA-7850-4B94-937A-4E72339679EE}" type="presOf" srcId="{91DB51B7-AE78-4D39-BE46-EE12D320A3D2}" destId="{F2AE5986-159B-4602-890E-2BF0496FD6DF}" srcOrd="1" destOrd="0" presId="urn:microsoft.com/office/officeart/2005/8/layout/venn1"/>
     <dgm:cxn modelId="{8C34C45B-FE32-42E9-94F7-96C54C773BB3}" type="presOf" srcId="{D5F26736-91A5-4F26-A82A-243F037C7EED}" destId="{21ADC28C-2BF1-4C28-AD76-002C083E0942}" srcOrd="1" destOrd="0" presId="urn:microsoft.com/office/officeart/2005/8/layout/venn1"/>
     <dgm:cxn modelId="{9F743B65-ADF3-4D10-A826-523A73E2BFD6}" srcId="{FFAD6191-46C3-4C7D-A9C0-727DE818C99C}" destId="{D5F26736-91A5-4F26-A82A-243F037C7EED}" srcOrd="1" destOrd="0" parTransId="{3FB7E50E-8A56-46CC-990E-C3CC7E6106BA}" sibTransId="{2F69C5F8-D18F-4EFF-81E5-AF0F26E9CCC0}"/>
     <dgm:cxn modelId="{D4E55452-8450-4FA9-9CCD-DBA81F84CAE6}" type="presOf" srcId="{536E7216-F464-45E8-99F5-F7FA68384876}" destId="{B57BFDED-5537-48E0-A5B3-C0E89F458E3C}" srcOrd="0" destOrd="0" presId="urn:microsoft.com/office/officeart/2005/8/layout/venn1"/>
+    <dgm:cxn modelId="{DA1BA576-1AA5-4FAC-B01F-ED099A1FBA0B}" srcId="{FFAD6191-46C3-4C7D-A9C0-727DE818C99C}" destId="{91DB51B7-AE78-4D39-BE46-EE12D320A3D2}" srcOrd="0" destOrd="0" parTransId="{E4670471-FD65-4FCF-B451-0A20F4321B49}" sibTransId="{1AC55F18-9859-488E-A031-B2A88CE06BB1}"/>
+    <dgm:cxn modelId="{07C43187-825D-4066-8D6F-799CBDB0B351}" type="presOf" srcId="{FFAD6191-46C3-4C7D-A9C0-727DE818C99C}" destId="{84A5D329-3B65-41DE-AA52-F1D49203816E}" srcOrd="0" destOrd="0" presId="urn:microsoft.com/office/officeart/2005/8/layout/venn1"/>
+    <dgm:cxn modelId="{5B8D3392-E945-4BEE-9CE1-7DE8BDB80333}" type="presOf" srcId="{D5F26736-91A5-4F26-A82A-243F037C7EED}" destId="{CE3C9573-D577-4D7D-A197-D27FB2EA5628}" srcOrd="0" destOrd="0" presId="urn:microsoft.com/office/officeart/2005/8/layout/venn1"/>
+    <dgm:cxn modelId="{59DD7EB1-B980-4C6C-B9A5-FA0E18AC7FC6}" srcId="{FFAD6191-46C3-4C7D-A9C0-727DE818C99C}" destId="{536E7216-F464-45E8-99F5-F7FA68384876}" srcOrd="2" destOrd="0" parTransId="{14F43D4E-03FF-493F-9BF8-F31E159E6885}" sibTransId="{B1614C14-1394-4EF9-A53B-8464135E452D}"/>
+    <dgm:cxn modelId="{A9B137EA-7850-4B94-937A-4E72339679EE}" type="presOf" srcId="{91DB51B7-AE78-4D39-BE46-EE12D320A3D2}" destId="{F2AE5986-159B-4602-890E-2BF0496FD6DF}" srcOrd="1" destOrd="0" presId="urn:microsoft.com/office/officeart/2005/8/layout/venn1"/>
+    <dgm:cxn modelId="{084630F6-EF54-4C4B-AD79-51A5A1E5084F}" type="presOf" srcId="{536E7216-F464-45E8-99F5-F7FA68384876}" destId="{F619E579-24D7-435A-A414-DB1240153699}" srcOrd="1" destOrd="0" presId="urn:microsoft.com/office/officeart/2005/8/layout/venn1"/>
     <dgm:cxn modelId="{CBC79672-BFF8-4517-ABED-F85236CF4158}" type="presParOf" srcId="{84A5D329-3B65-41DE-AA52-F1D49203816E}" destId="{88E51031-DA78-4D8B-9C62-1914994045E5}" srcOrd="0" destOrd="0" presId="urn:microsoft.com/office/officeart/2005/8/layout/venn1"/>
     <dgm:cxn modelId="{5BF7A2AB-7CD6-4786-97D6-1EDDFA528235}" type="presParOf" srcId="{84A5D329-3B65-41DE-AA52-F1D49203816E}" destId="{F2AE5986-159B-4602-890E-2BF0496FD6DF}" srcOrd="1" destOrd="0" presId="urn:microsoft.com/office/officeart/2005/8/layout/venn1"/>
     <dgm:cxn modelId="{6C63B9D2-1EB3-4C16-8BF5-16CABBCBD59E}" type="presParOf" srcId="{84A5D329-3B65-41DE-AA52-F1D49203816E}" destId="{CE3C9573-D577-4D7D-A197-D27FB2EA5628}" srcOrd="2" destOrd="0" presId="urn:microsoft.com/office/officeart/2005/8/layout/venn1"/>
@@ -1420,7 +1397,7 @@
         </a:bodyPr>
         <a:lstStyle/>
         <a:p>
-          <a:pPr lvl="0" algn="ctr" defTabSz="622300">
+          <a:pPr marL="0" lvl="0" indent="0" algn="ctr" defTabSz="622300">
             <a:lnSpc>
               <a:spcPct val="90000"/>
             </a:lnSpc>
@@ -1430,9 +1407,10 @@
             <a:spcAft>
               <a:spcPct val="35000"/>
             </a:spcAft>
+            <a:buNone/>
           </a:pPr>
           <a:r>
-            <a:rPr lang="en-US" sz="1400" kern="1200" smtClean="0">
+            <a:rPr lang="en-US" sz="1400" kern="1200">
               <a:solidFill>
                 <a:schemeClr val="tx1">
                   <a:lumMod val="75000"/>
@@ -1442,14 +1420,6 @@
             </a:rPr>
             <a:t>More up-to-date income statistics</a:t>
           </a:r>
-          <a:endParaRPr lang="en-US" sz="1400" kern="1200">
-            <a:solidFill>
-              <a:schemeClr val="tx1">
-                <a:lumMod val="75000"/>
-                <a:lumOff val="25000"/>
-              </a:schemeClr>
-            </a:solidFill>
-          </a:endParaRPr>
         </a:p>
       </dsp:txBody>
       <dsp:txXfrm>
@@ -1512,7 +1482,7 @@
         </a:bodyPr>
         <a:lstStyle/>
         <a:p>
-          <a:pPr lvl="0" algn="ctr" defTabSz="622300">
+          <a:pPr marL="0" lvl="0" indent="0" algn="ctr" defTabSz="622300">
             <a:lnSpc>
               <a:spcPct val="90000"/>
             </a:lnSpc>
@@ -1522,9 +1492,10 @@
             <a:spcAft>
               <a:spcPct val="35000"/>
             </a:spcAft>
+            <a:buNone/>
           </a:pPr>
           <a:r>
-            <a:rPr lang="en-US" sz="1400" kern="1200" smtClean="0">
+            <a:rPr lang="en-US" sz="1400" kern="1200">
               <a:solidFill>
                 <a:schemeClr val="tx1">
                   <a:lumMod val="75000"/>
@@ -1604,7 +1575,7 @@
         </a:bodyPr>
         <a:lstStyle/>
         <a:p>
-          <a:pPr lvl="0" algn="ctr" defTabSz="622300">
+          <a:pPr marL="0" lvl="0" indent="0" algn="ctr" defTabSz="622300">
             <a:lnSpc>
               <a:spcPct val="90000"/>
             </a:lnSpc>
@@ -1614,9 +1585,10 @@
             <a:spcAft>
               <a:spcPct val="35000"/>
             </a:spcAft>
+            <a:buNone/>
           </a:pPr>
           <a:r>
-            <a:rPr lang="en-US" sz="1400" kern="1200" dirty="0" smtClean="0">
+            <a:rPr lang="en-US" sz="1400" kern="1200" dirty="0">
               <a:solidFill>
                 <a:schemeClr val="tx1">
                   <a:lumMod val="75000"/>
@@ -1626,14 +1598,6 @@
             </a:rPr>
             <a:t>Pull additional data from Census: educational attainment, employment by industry, etc.</a:t>
           </a:r>
-          <a:endParaRPr lang="en-US" sz="1400" kern="1200" dirty="0">
-            <a:solidFill>
-              <a:schemeClr val="tx1">
-                <a:lumMod val="75000"/>
-                <a:lumOff val="25000"/>
-              </a:schemeClr>
-            </a:solidFill>
-          </a:endParaRPr>
         </a:p>
       </dsp:txBody>
       <dsp:txXfrm>
@@ -3592,10 +3556,9 @@
           <a:lstStyle/>
           <a:p>
             <a:r>
-              <a:rPr lang="en-US" smtClean="0"/>
+              <a:rPr lang="en-US"/>
               <a:t>Click to edit Master title style</a:t>
             </a:r>
-            <a:endParaRPr lang="en-US"/>
           </a:p>
         </p:txBody>
       </p:sp>
@@ -3711,10 +3674,9 @@
           </a:lstStyle>
           <a:p>
             <a:r>
-              <a:rPr lang="en-US" smtClean="0"/>
+              <a:rPr lang="en-US"/>
               <a:t>Click to edit Master subtitle style</a:t>
             </a:r>
-            <a:endParaRPr lang="en-US"/>
           </a:p>
         </p:txBody>
       </p:sp>
@@ -3735,7 +3697,7 @@
           <a:p>
             <a:fld id="{6110BAAB-D098-4701-95EB-C20ECDA69920}" type="datetimeFigureOut">
               <a:rPr lang="en-US" smtClean="0"/>
-              <a:t>5/4/2017</a:t>
+              <a:t>5/8/2017</a:t>
             </a:fld>
             <a:endParaRPr lang="en-US"/>
           </a:p>
@@ -3829,10 +3791,9 @@
           <a:lstStyle/>
           <a:p>
             <a:r>
-              <a:rPr lang="en-US" smtClean="0"/>
+              <a:rPr lang="en-US"/>
               <a:t>Click to edit Master title style</a:t>
             </a:r>
-            <a:endParaRPr lang="en-US"/>
           </a:p>
         </p:txBody>
       </p:sp>
@@ -3853,38 +3814,37 @@
           <a:p>
             <a:pPr lvl="0"/>
             <a:r>
-              <a:rPr lang="en-US" smtClean="0"/>
+              <a:rPr lang="en-US"/>
               <a:t>Click to edit Master text styles</a:t>
             </a:r>
           </a:p>
           <a:p>
             <a:pPr lvl="1"/>
             <a:r>
-              <a:rPr lang="en-US" smtClean="0"/>
+              <a:rPr lang="en-US"/>
               <a:t>Second level</a:t>
             </a:r>
           </a:p>
           <a:p>
             <a:pPr lvl="2"/>
             <a:r>
-              <a:rPr lang="en-US" smtClean="0"/>
+              <a:rPr lang="en-US"/>
               <a:t>Third level</a:t>
             </a:r>
           </a:p>
           <a:p>
             <a:pPr lvl="3"/>
             <a:r>
-              <a:rPr lang="en-US" smtClean="0"/>
+              <a:rPr lang="en-US"/>
               <a:t>Fourth level</a:t>
             </a:r>
           </a:p>
           <a:p>
             <a:pPr lvl="4"/>
             <a:r>
-              <a:rPr lang="en-US" smtClean="0"/>
+              <a:rPr lang="en-US"/>
               <a:t>Fifth level</a:t>
             </a:r>
-            <a:endParaRPr lang="en-US"/>
           </a:p>
         </p:txBody>
       </p:sp>
@@ -3905,7 +3865,7 @@
           <a:p>
             <a:fld id="{6110BAAB-D098-4701-95EB-C20ECDA69920}" type="datetimeFigureOut">
               <a:rPr lang="en-US" smtClean="0"/>
-              <a:t>5/4/2017</a:t>
+              <a:t>5/8/2017</a:t>
             </a:fld>
             <a:endParaRPr lang="en-US"/>
           </a:p>
@@ -4004,10 +3964,9 @@
           <a:lstStyle/>
           <a:p>
             <a:r>
-              <a:rPr lang="en-US" smtClean="0"/>
+              <a:rPr lang="en-US"/>
               <a:t>Click to edit Master title style</a:t>
             </a:r>
-            <a:endParaRPr lang="en-US"/>
           </a:p>
         </p:txBody>
       </p:sp>
@@ -4033,38 +3992,37 @@
           <a:p>
             <a:pPr lvl="0"/>
             <a:r>
-              <a:rPr lang="en-US" smtClean="0"/>
+              <a:rPr lang="en-US"/>
               <a:t>Click to edit Master text styles</a:t>
             </a:r>
           </a:p>
           <a:p>
             <a:pPr lvl="1"/>
             <a:r>
-              <a:rPr lang="en-US" smtClean="0"/>
+              <a:rPr lang="en-US"/>
               <a:t>Second level</a:t>
             </a:r>
           </a:p>
           <a:p>
             <a:pPr lvl="2"/>
             <a:r>
-              <a:rPr lang="en-US" smtClean="0"/>
+              <a:rPr lang="en-US"/>
               <a:t>Third level</a:t>
             </a:r>
           </a:p>
           <a:p>
             <a:pPr lvl="3"/>
             <a:r>
-              <a:rPr lang="en-US" smtClean="0"/>
+              <a:rPr lang="en-US"/>
               <a:t>Fourth level</a:t>
             </a:r>
           </a:p>
           <a:p>
             <a:pPr lvl="4"/>
             <a:r>
-              <a:rPr lang="en-US" smtClean="0"/>
+              <a:rPr lang="en-US"/>
               <a:t>Fifth level</a:t>
             </a:r>
-            <a:endParaRPr lang="en-US"/>
           </a:p>
         </p:txBody>
       </p:sp>
@@ -4085,7 +4043,7 @@
           <a:p>
             <a:fld id="{6110BAAB-D098-4701-95EB-C20ECDA69920}" type="datetimeFigureOut">
               <a:rPr lang="en-US" smtClean="0"/>
-              <a:t>5/4/2017</a:t>
+              <a:t>5/8/2017</a:t>
             </a:fld>
             <a:endParaRPr lang="en-US"/>
           </a:p>
@@ -4179,10 +4137,9 @@
           <a:lstStyle/>
           <a:p>
             <a:r>
-              <a:rPr lang="en-US" smtClean="0"/>
+              <a:rPr lang="en-US"/>
               <a:t>Click to edit Master title style</a:t>
             </a:r>
-            <a:endParaRPr lang="en-US"/>
           </a:p>
         </p:txBody>
       </p:sp>
@@ -4203,38 +4160,37 @@
           <a:p>
             <a:pPr lvl="0"/>
             <a:r>
-              <a:rPr lang="en-US" smtClean="0"/>
+              <a:rPr lang="en-US"/>
               <a:t>Click to edit Master text styles</a:t>
             </a:r>
           </a:p>
           <a:p>
             <a:pPr lvl="1"/>
             <a:r>
-              <a:rPr lang="en-US" smtClean="0"/>
+              <a:rPr lang="en-US"/>
               <a:t>Second level</a:t>
             </a:r>
           </a:p>
           <a:p>
             <a:pPr lvl="2"/>
             <a:r>
-              <a:rPr lang="en-US" smtClean="0"/>
+              <a:rPr lang="en-US"/>
               <a:t>Third level</a:t>
             </a:r>
           </a:p>
           <a:p>
             <a:pPr lvl="3"/>
             <a:r>
-              <a:rPr lang="en-US" smtClean="0"/>
+              <a:rPr lang="en-US"/>
               <a:t>Fourth level</a:t>
             </a:r>
           </a:p>
           <a:p>
             <a:pPr lvl="4"/>
             <a:r>
-              <a:rPr lang="en-US" smtClean="0"/>
+              <a:rPr lang="en-US"/>
               <a:t>Fifth level</a:t>
             </a:r>
-            <a:endParaRPr lang="en-US"/>
           </a:p>
         </p:txBody>
       </p:sp>
@@ -4255,7 +4211,7 @@
           <a:p>
             <a:fld id="{6110BAAB-D098-4701-95EB-C20ECDA69920}" type="datetimeFigureOut">
               <a:rPr lang="en-US" smtClean="0"/>
-              <a:t>5/4/2017</a:t>
+              <a:t>5/8/2017</a:t>
             </a:fld>
             <a:endParaRPr lang="en-US"/>
           </a:p>
@@ -4358,10 +4314,9 @@
           </a:lstStyle>
           <a:p>
             <a:r>
-              <a:rPr lang="en-US" smtClean="0"/>
+              <a:rPr lang="en-US"/>
               <a:t>Click to edit Master title style</a:t>
             </a:r>
-            <a:endParaRPr lang="en-US"/>
           </a:p>
         </p:txBody>
       </p:sp>
@@ -4478,7 +4433,7 @@
           <a:p>
             <a:pPr lvl="0"/>
             <a:r>
-              <a:rPr lang="en-US" smtClean="0"/>
+              <a:rPr lang="en-US"/>
               <a:t>Click to edit Master text styles</a:t>
             </a:r>
           </a:p>
@@ -4501,7 +4456,7 @@
           <a:p>
             <a:fld id="{6110BAAB-D098-4701-95EB-C20ECDA69920}" type="datetimeFigureOut">
               <a:rPr lang="en-US" smtClean="0"/>
-              <a:t>5/4/2017</a:t>
+              <a:t>5/8/2017</a:t>
             </a:fld>
             <a:endParaRPr lang="en-US"/>
           </a:p>
@@ -4595,10 +4550,9 @@
           <a:lstStyle/>
           <a:p>
             <a:r>
-              <a:rPr lang="en-US" smtClean="0"/>
+              <a:rPr lang="en-US"/>
               <a:t>Click to edit Master title style</a:t>
             </a:r>
-            <a:endParaRPr lang="en-US"/>
           </a:p>
         </p:txBody>
       </p:sp>
@@ -4652,38 +4606,37 @@
           <a:p>
             <a:pPr lvl="0"/>
             <a:r>
-              <a:rPr lang="en-US" smtClean="0"/>
+              <a:rPr lang="en-US"/>
               <a:t>Click to edit Master text styles</a:t>
             </a:r>
           </a:p>
           <a:p>
             <a:pPr lvl="1"/>
             <a:r>
-              <a:rPr lang="en-US" smtClean="0"/>
+              <a:rPr lang="en-US"/>
               <a:t>Second level</a:t>
             </a:r>
           </a:p>
           <a:p>
             <a:pPr lvl="2"/>
             <a:r>
-              <a:rPr lang="en-US" smtClean="0"/>
+              <a:rPr lang="en-US"/>
               <a:t>Third level</a:t>
             </a:r>
           </a:p>
           <a:p>
             <a:pPr lvl="3"/>
             <a:r>
-              <a:rPr lang="en-US" smtClean="0"/>
+              <a:rPr lang="en-US"/>
               <a:t>Fourth level</a:t>
             </a:r>
           </a:p>
           <a:p>
             <a:pPr lvl="4"/>
             <a:r>
-              <a:rPr lang="en-US" smtClean="0"/>
+              <a:rPr lang="en-US"/>
               <a:t>Fifth level</a:t>
             </a:r>
-            <a:endParaRPr lang="en-US"/>
           </a:p>
         </p:txBody>
       </p:sp>
@@ -4737,38 +4690,37 @@
           <a:p>
             <a:pPr lvl="0"/>
             <a:r>
-              <a:rPr lang="en-US" smtClean="0"/>
+              <a:rPr lang="en-US"/>
               <a:t>Click to edit Master text styles</a:t>
             </a:r>
           </a:p>
           <a:p>
             <a:pPr lvl="1"/>
             <a:r>
-              <a:rPr lang="en-US" smtClean="0"/>
+              <a:rPr lang="en-US"/>
               <a:t>Second level</a:t>
             </a:r>
           </a:p>
           <a:p>
             <a:pPr lvl="2"/>
             <a:r>
-              <a:rPr lang="en-US" smtClean="0"/>
+              <a:rPr lang="en-US"/>
               <a:t>Third level</a:t>
             </a:r>
           </a:p>
           <a:p>
             <a:pPr lvl="3"/>
             <a:r>
-              <a:rPr lang="en-US" smtClean="0"/>
+              <a:rPr lang="en-US"/>
               <a:t>Fourth level</a:t>
             </a:r>
           </a:p>
           <a:p>
             <a:pPr lvl="4"/>
             <a:r>
-              <a:rPr lang="en-US" smtClean="0"/>
+              <a:rPr lang="en-US"/>
               <a:t>Fifth level</a:t>
             </a:r>
-            <a:endParaRPr lang="en-US"/>
           </a:p>
         </p:txBody>
       </p:sp>
@@ -4789,7 +4741,7 @@
           <a:p>
             <a:fld id="{6110BAAB-D098-4701-95EB-C20ECDA69920}" type="datetimeFigureOut">
               <a:rPr lang="en-US" smtClean="0"/>
-              <a:t>5/4/2017</a:t>
+              <a:t>5/8/2017</a:t>
             </a:fld>
             <a:endParaRPr lang="en-US"/>
           </a:p>
@@ -4892,10 +4844,9 @@
           </a:lstStyle>
           <a:p>
             <a:r>
-              <a:rPr lang="en-US" smtClean="0"/>
+              <a:rPr lang="en-US"/>
               <a:t>Click to edit Master title style</a:t>
             </a:r>
-            <a:endParaRPr lang="en-US"/>
           </a:p>
         </p:txBody>
       </p:sp>
@@ -4958,7 +4909,7 @@
           <a:p>
             <a:pPr lvl="0"/>
             <a:r>
-              <a:rPr lang="en-US" smtClean="0"/>
+              <a:rPr lang="en-US"/>
               <a:t>Click to edit Master text styles</a:t>
             </a:r>
           </a:p>
@@ -5014,38 +4965,37 @@
           <a:p>
             <a:pPr lvl="0"/>
             <a:r>
-              <a:rPr lang="en-US" smtClean="0"/>
+              <a:rPr lang="en-US"/>
               <a:t>Click to edit Master text styles</a:t>
             </a:r>
           </a:p>
           <a:p>
             <a:pPr lvl="1"/>
             <a:r>
-              <a:rPr lang="en-US" smtClean="0"/>
+              <a:rPr lang="en-US"/>
               <a:t>Second level</a:t>
             </a:r>
           </a:p>
           <a:p>
             <a:pPr lvl="2"/>
             <a:r>
-              <a:rPr lang="en-US" smtClean="0"/>
+              <a:rPr lang="en-US"/>
               <a:t>Third level</a:t>
             </a:r>
           </a:p>
           <a:p>
             <a:pPr lvl="3"/>
             <a:r>
-              <a:rPr lang="en-US" smtClean="0"/>
+              <a:rPr lang="en-US"/>
               <a:t>Fourth level</a:t>
             </a:r>
           </a:p>
           <a:p>
             <a:pPr lvl="4"/>
             <a:r>
-              <a:rPr lang="en-US" smtClean="0"/>
+              <a:rPr lang="en-US"/>
               <a:t>Fifth level</a:t>
             </a:r>
-            <a:endParaRPr lang="en-US"/>
           </a:p>
         </p:txBody>
       </p:sp>
@@ -5108,7 +5058,7 @@
           <a:p>
             <a:pPr lvl="0"/>
             <a:r>
-              <a:rPr lang="en-US" smtClean="0"/>
+              <a:rPr lang="en-US"/>
               <a:t>Click to edit Master text styles</a:t>
             </a:r>
           </a:p>
@@ -5164,38 +5114,37 @@
           <a:p>
             <a:pPr lvl="0"/>
             <a:r>
-              <a:rPr lang="en-US" smtClean="0"/>
+              <a:rPr lang="en-US"/>
               <a:t>Click to edit Master text styles</a:t>
             </a:r>
           </a:p>
           <a:p>
             <a:pPr lvl="1"/>
             <a:r>
-              <a:rPr lang="en-US" smtClean="0"/>
+              <a:rPr lang="en-US"/>
               <a:t>Second level</a:t>
             </a:r>
           </a:p>
           <a:p>
             <a:pPr lvl="2"/>
             <a:r>
-              <a:rPr lang="en-US" smtClean="0"/>
+              <a:rPr lang="en-US"/>
               <a:t>Third level</a:t>
             </a:r>
           </a:p>
           <a:p>
             <a:pPr lvl="3"/>
             <a:r>
-              <a:rPr lang="en-US" smtClean="0"/>
+              <a:rPr lang="en-US"/>
               <a:t>Fourth level</a:t>
             </a:r>
           </a:p>
           <a:p>
             <a:pPr lvl="4"/>
             <a:r>
-              <a:rPr lang="en-US" smtClean="0"/>
+              <a:rPr lang="en-US"/>
               <a:t>Fifth level</a:t>
             </a:r>
-            <a:endParaRPr lang="en-US"/>
           </a:p>
         </p:txBody>
       </p:sp>
@@ -5216,7 +5165,7 @@
           <a:p>
             <a:fld id="{6110BAAB-D098-4701-95EB-C20ECDA69920}" type="datetimeFigureOut">
               <a:rPr lang="en-US" smtClean="0"/>
-              <a:t>5/4/2017</a:t>
+              <a:t>5/8/2017</a:t>
             </a:fld>
             <a:endParaRPr lang="en-US"/>
           </a:p>
@@ -5310,10 +5259,9 @@
           <a:lstStyle/>
           <a:p>
             <a:r>
-              <a:rPr lang="en-US" smtClean="0"/>
+              <a:rPr lang="en-US"/>
               <a:t>Click to edit Master title style</a:t>
             </a:r>
-            <a:endParaRPr lang="en-US"/>
           </a:p>
         </p:txBody>
       </p:sp>
@@ -5334,7 +5282,7 @@
           <a:p>
             <a:fld id="{6110BAAB-D098-4701-95EB-C20ECDA69920}" type="datetimeFigureOut">
               <a:rPr lang="en-US" smtClean="0"/>
-              <a:t>5/4/2017</a:t>
+              <a:t>5/8/2017</a:t>
             </a:fld>
             <a:endParaRPr lang="en-US"/>
           </a:p>
@@ -5429,7 +5377,7 @@
           <a:p>
             <a:fld id="{6110BAAB-D098-4701-95EB-C20ECDA69920}" type="datetimeFigureOut">
               <a:rPr lang="en-US" smtClean="0"/>
-              <a:t>5/4/2017</a:t>
+              <a:t>5/8/2017</a:t>
             </a:fld>
             <a:endParaRPr lang="en-US"/>
           </a:p>
@@ -5532,10 +5480,9 @@
           </a:lstStyle>
           <a:p>
             <a:r>
-              <a:rPr lang="en-US" smtClean="0"/>
+              <a:rPr lang="en-US"/>
               <a:t>Click to edit Master title style</a:t>
             </a:r>
-            <a:endParaRPr lang="en-US"/>
           </a:p>
         </p:txBody>
       </p:sp>
@@ -5589,38 +5536,37 @@
           <a:p>
             <a:pPr lvl="0"/>
             <a:r>
-              <a:rPr lang="en-US" smtClean="0"/>
+              <a:rPr lang="en-US"/>
               <a:t>Click to edit Master text styles</a:t>
             </a:r>
           </a:p>
           <a:p>
             <a:pPr lvl="1"/>
             <a:r>
-              <a:rPr lang="en-US" smtClean="0"/>
+              <a:rPr lang="en-US"/>
               <a:t>Second level</a:t>
             </a:r>
           </a:p>
           <a:p>
             <a:pPr lvl="2"/>
             <a:r>
-              <a:rPr lang="en-US" smtClean="0"/>
+              <a:rPr lang="en-US"/>
               <a:t>Third level</a:t>
             </a:r>
           </a:p>
           <a:p>
             <a:pPr lvl="3"/>
             <a:r>
-              <a:rPr lang="en-US" smtClean="0"/>
+              <a:rPr lang="en-US"/>
               <a:t>Fourth level</a:t>
             </a:r>
           </a:p>
           <a:p>
             <a:pPr lvl="4"/>
             <a:r>
-              <a:rPr lang="en-US" smtClean="0"/>
+              <a:rPr lang="en-US"/>
               <a:t>Fifth level</a:t>
             </a:r>
-            <a:endParaRPr lang="en-US"/>
           </a:p>
         </p:txBody>
       </p:sp>
@@ -5683,7 +5629,7 @@
           <a:p>
             <a:pPr lvl="0"/>
             <a:r>
-              <a:rPr lang="en-US" smtClean="0"/>
+              <a:rPr lang="en-US"/>
               <a:t>Click to edit Master text styles</a:t>
             </a:r>
           </a:p>
@@ -5706,7 +5652,7 @@
           <a:p>
             <a:fld id="{6110BAAB-D098-4701-95EB-C20ECDA69920}" type="datetimeFigureOut">
               <a:rPr lang="en-US" smtClean="0"/>
-              <a:t>5/4/2017</a:t>
+              <a:t>5/8/2017</a:t>
             </a:fld>
             <a:endParaRPr lang="en-US"/>
           </a:p>
@@ -5809,10 +5755,9 @@
           </a:lstStyle>
           <a:p>
             <a:r>
-              <a:rPr lang="en-US" smtClean="0"/>
+              <a:rPr lang="en-US"/>
               <a:t>Click to edit Master title style</a:t>
             </a:r>
-            <a:endParaRPr lang="en-US"/>
           </a:p>
         </p:txBody>
       </p:sp>
@@ -5936,7 +5881,7 @@
           <a:p>
             <a:pPr lvl="0"/>
             <a:r>
-              <a:rPr lang="en-US" smtClean="0"/>
+              <a:rPr lang="en-US"/>
               <a:t>Click to edit Master text styles</a:t>
             </a:r>
           </a:p>
@@ -5959,7 +5904,7 @@
           <a:p>
             <a:fld id="{6110BAAB-D098-4701-95EB-C20ECDA69920}" type="datetimeFigureOut">
               <a:rPr lang="en-US" smtClean="0"/>
-              <a:t>5/4/2017</a:t>
+              <a:t>5/8/2017</a:t>
             </a:fld>
             <a:endParaRPr lang="en-US"/>
           </a:p>
@@ -6068,10 +6013,9 @@
           <a:lstStyle/>
           <a:p>
             <a:r>
-              <a:rPr lang="en-US" smtClean="0"/>
+              <a:rPr lang="en-US"/>
               <a:t>Click to edit Master title style</a:t>
             </a:r>
-            <a:endParaRPr lang="en-US"/>
           </a:p>
         </p:txBody>
       </p:sp>
@@ -6102,38 +6046,37 @@
           <a:p>
             <a:pPr lvl="0"/>
             <a:r>
-              <a:rPr lang="en-US" smtClean="0"/>
+              <a:rPr lang="en-US"/>
               <a:t>Click to edit Master text styles</a:t>
             </a:r>
           </a:p>
           <a:p>
             <a:pPr lvl="1"/>
             <a:r>
-              <a:rPr lang="en-US" smtClean="0"/>
+              <a:rPr lang="en-US"/>
               <a:t>Second level</a:t>
             </a:r>
           </a:p>
           <a:p>
             <a:pPr lvl="2"/>
             <a:r>
-              <a:rPr lang="en-US" smtClean="0"/>
+              <a:rPr lang="en-US"/>
               <a:t>Third level</a:t>
             </a:r>
           </a:p>
           <a:p>
             <a:pPr lvl="3"/>
             <a:r>
-              <a:rPr lang="en-US" smtClean="0"/>
+              <a:rPr lang="en-US"/>
               <a:t>Fourth level</a:t>
             </a:r>
           </a:p>
           <a:p>
             <a:pPr lvl="4"/>
             <a:r>
-              <a:rPr lang="en-US" smtClean="0"/>
+              <a:rPr lang="en-US"/>
               <a:t>Fifth level</a:t>
             </a:r>
-            <a:endParaRPr lang="en-US"/>
           </a:p>
         </p:txBody>
       </p:sp>
@@ -6172,7 +6115,7 @@
           <a:p>
             <a:fld id="{6110BAAB-D098-4701-95EB-C20ECDA69920}" type="datetimeFigureOut">
               <a:rPr lang="en-US" smtClean="0"/>
-              <a:t>5/4/2017</a:t>
+              <a:t>5/8/2017</a:t>
             </a:fld>
             <a:endParaRPr lang="en-US"/>
           </a:p>
@@ -6612,7 +6555,7 @@
               </a:lnSpc>
             </a:pPr>
             <a:r>
-              <a:rPr lang="en-US" sz="3600" dirty="0" smtClean="0">
+              <a:rPr lang="en-US" sz="3600" dirty="0">
                 <a:solidFill>
                   <a:schemeClr val="tx1">
                     <a:lumMod val="65000"/>
@@ -6623,7 +6566,7 @@
               <a:t>Assessing the </a:t>
             </a:r>
             <a:r>
-              <a:rPr lang="en-US" sz="3600" b="1" dirty="0" smtClean="0">
+              <a:rPr lang="en-US" sz="3600" b="1" dirty="0">
                 <a:solidFill>
                   <a:schemeClr val="accent4"/>
                 </a:solidFill>
@@ -6632,7 +6575,7 @@
               <a:t>Low-Income Housing Tax Credit </a:t>
             </a:r>
             <a:r>
-              <a:rPr lang="en-US" sz="3600" dirty="0" smtClean="0">
+              <a:rPr lang="en-US" sz="3600" dirty="0">
                 <a:solidFill>
                   <a:schemeClr val="tx1">
                     <a:lumMod val="65000"/>
@@ -6642,14 +6585,6 @@
               </a:rPr>
               <a:t>Using Machine Learning</a:t>
             </a:r>
-            <a:endParaRPr lang="en-US" sz="3600" dirty="0">
-              <a:solidFill>
-                <a:schemeClr val="tx1">
-                  <a:lumMod val="65000"/>
-                  <a:lumOff val="35000"/>
-                </a:schemeClr>
-              </a:solidFill>
-            </a:endParaRPr>
           </a:p>
         </p:txBody>
       </p:sp>
@@ -6722,7 +6657,7 @@
           <a:lstStyle/>
           <a:p>
             <a:r>
-              <a:rPr lang="en-US" b="1" dirty="0" smtClean="0">
+              <a:rPr lang="en-US" b="1" dirty="0">
                 <a:solidFill>
                   <a:schemeClr val="accent4"/>
                 </a:solidFill>
@@ -6730,7 +6665,7 @@
               <a:t>David </a:t>
             </a:r>
             <a:r>
-              <a:rPr lang="en-US" b="1" dirty="0" err="1" smtClean="0">
+              <a:rPr lang="en-US" b="1" dirty="0" err="1">
                 <a:solidFill>
                   <a:schemeClr val="accent4"/>
                 </a:solidFill>
@@ -6738,7 +6673,7 @@
               <a:t>Grubman</a:t>
             </a:r>
             <a:r>
-              <a:rPr lang="en-US" b="1" dirty="0" smtClean="0">
+              <a:rPr lang="en-US" b="1" dirty="0">
                 <a:solidFill>
                   <a:schemeClr val="accent4"/>
                 </a:solidFill>
@@ -6746,7 +6681,7 @@
               <a:t>  </a:t>
             </a:r>
             <a:r>
-              <a:rPr lang="en-US" dirty="0" smtClean="0">
+              <a:rPr lang="en-US" dirty="0">
                 <a:solidFill>
                   <a:schemeClr val="tx1">
                     <a:lumMod val="65000"/>
@@ -6756,14 +6691,6 @@
               </a:rPr>
               <a:t>|  General Assembly Data Science Spring 2017</a:t>
             </a:r>
-            <a:endParaRPr lang="en-US" dirty="0">
-              <a:solidFill>
-                <a:schemeClr val="tx1">
-                  <a:lumMod val="65000"/>
-                  <a:lumOff val="35000"/>
-                </a:schemeClr>
-              </a:solidFill>
-            </a:endParaRPr>
           </a:p>
         </p:txBody>
       </p:sp>
@@ -6807,13 +6734,6 @@
   <p:clrMapOvr>
     <a:masterClrMapping/>
   </p:clrMapOvr>
-  <p:timing>
-    <p:tnLst>
-      <p:par>
-        <p:cTn id="1" dur="indefinite" restart="never" nodeType="tmRoot"/>
-      </p:par>
-    </p:tnLst>
-  </p:timing>
 </p:sld>
 </file>
 
@@ -7032,7 +6952,7 @@
           <a:lstStyle/>
           <a:p>
             <a:r>
-              <a:rPr lang="en-US" sz="2400" dirty="0" smtClean="0">
+              <a:rPr lang="en-US" sz="2400" dirty="0">
                 <a:solidFill>
                   <a:schemeClr val="tx1">
                     <a:lumMod val="65000"/>
@@ -7072,7 +6992,7 @@
               <a:buChar char="•"/>
             </a:pPr>
             <a:r>
-              <a:rPr lang="en-US" sz="2000" dirty="0" smtClean="0">
+              <a:rPr lang="en-US" sz="2000" dirty="0">
                 <a:solidFill>
                   <a:schemeClr val="tx1">
                     <a:lumMod val="65000"/>
@@ -7083,7 +7003,7 @@
               <a:t>Linear Regression in </a:t>
             </a:r>
             <a:r>
-              <a:rPr lang="en-US" sz="2000" dirty="0" err="1" smtClean="0">
+              <a:rPr lang="en-US" sz="2000" dirty="0" err="1">
                 <a:solidFill>
                   <a:schemeClr val="tx1">
                     <a:lumMod val="65000"/>
@@ -7093,7 +7013,7 @@
               </a:rPr>
               <a:t>sklearn</a:t>
             </a:r>
-            <a:endParaRPr lang="en-US" sz="2000" dirty="0" smtClean="0">
+            <a:endParaRPr lang="en-US" sz="2000" dirty="0">
               <a:solidFill>
                 <a:schemeClr val="tx1">
                   <a:lumMod val="65000"/>
@@ -7108,7 +7028,7 @@
               <a:buChar char="•"/>
             </a:pPr>
             <a:r>
-              <a:rPr lang="en-US" sz="2000" dirty="0" smtClean="0">
+              <a:rPr lang="en-US" sz="2000" dirty="0">
                 <a:solidFill>
                   <a:schemeClr val="tx1">
                     <a:lumMod val="65000"/>
@@ -7125,7 +7045,7 @@
               <a:buChar char="•"/>
             </a:pPr>
             <a:r>
-              <a:rPr lang="en-US" sz="2000" dirty="0" smtClean="0">
+              <a:rPr lang="en-US" sz="2000" dirty="0">
                 <a:solidFill>
                   <a:schemeClr val="tx1">
                     <a:lumMod val="65000"/>
@@ -7142,7 +7062,7 @@
               <a:buChar char="•"/>
             </a:pPr>
             <a:r>
-              <a:rPr lang="en-US" sz="2000" dirty="0" smtClean="0">
+              <a:rPr lang="en-US" sz="2000" dirty="0">
                 <a:solidFill>
                   <a:schemeClr val="tx1">
                     <a:lumMod val="65000"/>
@@ -7159,7 +7079,7 @@
               <a:buChar char="•"/>
             </a:pPr>
             <a:r>
-              <a:rPr lang="en-US" sz="2000" dirty="0" smtClean="0">
+              <a:rPr lang="en-US" sz="2000" dirty="0">
                 <a:solidFill>
                   <a:schemeClr val="tx1">
                     <a:lumMod val="65000"/>
@@ -7209,13 +7129,6 @@
   <p:clrMapOvr>
     <a:masterClrMapping/>
   </p:clrMapOvr>
-  <p:timing>
-    <p:tnLst>
-      <p:par>
-        <p:cTn id="1" dur="indefinite" restart="never" nodeType="tmRoot"/>
-      </p:par>
-    </p:tnLst>
-  </p:timing>
 </p:sld>
 </file>
 
@@ -7434,7 +7347,7 @@
           <a:lstStyle/>
           <a:p>
             <a:r>
-              <a:rPr lang="en-US" sz="2400" dirty="0" smtClean="0">
+              <a:rPr lang="en-US" sz="2400" dirty="0">
                 <a:solidFill>
                   <a:schemeClr val="tx1">
                     <a:lumMod val="65000"/>
@@ -7474,7 +7387,7 @@
               <a:buChar char="•"/>
             </a:pPr>
             <a:r>
-              <a:rPr lang="en-US" sz="2000" dirty="0" smtClean="0">
+              <a:rPr lang="en-US" sz="2000" dirty="0">
                 <a:solidFill>
                   <a:schemeClr val="tx1">
                     <a:lumMod val="65000"/>
@@ -7491,7 +7404,7 @@
               <a:buChar char="•"/>
             </a:pPr>
             <a:r>
-              <a:rPr lang="en-US" sz="2000" dirty="0" smtClean="0">
+              <a:rPr lang="en-US" sz="2000" dirty="0">
                 <a:solidFill>
                   <a:schemeClr val="tx1">
                     <a:lumMod val="65000"/>
@@ -7508,7 +7421,7 @@
               <a:buChar char="•"/>
             </a:pPr>
             <a:r>
-              <a:rPr lang="en-US" sz="2000" dirty="0" smtClean="0">
+              <a:rPr lang="en-US" sz="2000" dirty="0">
                 <a:solidFill>
                   <a:schemeClr val="tx1">
                     <a:lumMod val="65000"/>
@@ -7525,7 +7438,7 @@
               <a:buChar char="•"/>
             </a:pPr>
             <a:r>
-              <a:rPr lang="en-US" dirty="0" smtClean="0">
+              <a:rPr lang="en-US" dirty="0">
                 <a:solidFill>
                   <a:schemeClr val="tx1">
                     <a:lumMod val="65000"/>
@@ -7542,7 +7455,7 @@
               <a:buChar char="•"/>
             </a:pPr>
             <a:r>
-              <a:rPr lang="en-US" dirty="0" smtClean="0">
+              <a:rPr lang="en-US" dirty="0">
                 <a:solidFill>
                   <a:schemeClr val="tx1">
                     <a:lumMod val="65000"/>
@@ -7559,7 +7472,7 @@
               <a:buChar char="•"/>
             </a:pPr>
             <a:r>
-              <a:rPr lang="en-US" dirty="0" smtClean="0">
+              <a:rPr lang="en-US" dirty="0">
                 <a:solidFill>
                   <a:schemeClr val="tx1">
                     <a:lumMod val="65000"/>
@@ -7576,7 +7489,7 @@
               <a:buChar char="•"/>
             </a:pPr>
             <a:r>
-              <a:rPr lang="en-US" dirty="0" smtClean="0">
+              <a:rPr lang="en-US" dirty="0">
                 <a:solidFill>
                   <a:schemeClr val="tx1">
                     <a:lumMod val="65000"/>
@@ -7697,13 +7610,6 @@
   <p:clrMapOvr>
     <a:masterClrMapping/>
   </p:clrMapOvr>
-  <p:timing>
-    <p:tnLst>
-      <p:par>
-        <p:cTn id="1" dur="indefinite" restart="never" nodeType="tmRoot"/>
-      </p:par>
-    </p:tnLst>
-  </p:timing>
 </p:sld>
 </file>
 
@@ -7922,7 +7828,7 @@
           <a:lstStyle/>
           <a:p>
             <a:r>
-              <a:rPr lang="en-US" sz="2400" dirty="0" smtClean="0">
+              <a:rPr lang="en-US" sz="2400" dirty="0">
                 <a:solidFill>
                   <a:schemeClr val="tx1">
                     <a:lumMod val="65000"/>
@@ -7959,7 +7865,7 @@
           <a:p>
             <a:pPr algn="r"/>
             <a:r>
-              <a:rPr lang="en-US" sz="2000" dirty="0" smtClean="0">
+              <a:rPr lang="en-US" sz="2000" dirty="0">
                 <a:solidFill>
                   <a:schemeClr val="tx1">
                     <a:lumMod val="65000"/>
@@ -8010,13 +7916,6 @@
   <p:clrMapOvr>
     <a:masterClrMapping/>
   </p:clrMapOvr>
-  <p:timing>
-    <p:tnLst>
-      <p:par>
-        <p:cTn id="1" dur="indefinite" restart="never" nodeType="tmRoot"/>
-      </p:par>
-    </p:tnLst>
-  </p:timing>
 </p:sld>
 </file>
 
@@ -8235,7 +8134,7 @@
           <a:lstStyle/>
           <a:p>
             <a:r>
-              <a:rPr lang="en-US" sz="2400" dirty="0" smtClean="0">
+              <a:rPr lang="en-US" sz="2400" dirty="0">
                 <a:solidFill>
                   <a:schemeClr val="tx1">
                     <a:lumMod val="65000"/>
@@ -8271,7 +8170,7 @@
           <a:lstStyle/>
           <a:p>
             <a:r>
-              <a:rPr lang="en-US" sz="2000" dirty="0" smtClean="0">
+              <a:rPr lang="en-US" sz="2000" dirty="0">
                 <a:solidFill>
                   <a:schemeClr val="tx1">
                     <a:lumMod val="65000"/>
@@ -8283,7 +8182,7 @@
             </a:r>
           </a:p>
           <a:p>
-            <a:endParaRPr lang="en-US" sz="2000" dirty="0" smtClean="0">
+            <a:endParaRPr lang="en-US" sz="2000" dirty="0">
               <a:solidFill>
                 <a:schemeClr val="tx1">
                   <a:lumMod val="65000"/>
@@ -8294,7 +8193,7 @@
           </a:p>
           <a:p>
             <a:r>
-              <a:rPr lang="en-US" sz="2000" dirty="0" smtClean="0">
+              <a:rPr lang="en-US" sz="2000" dirty="0">
                 <a:solidFill>
                   <a:schemeClr val="tx1">
                     <a:lumMod val="65000"/>
@@ -8306,7 +8205,7 @@
             </a:r>
           </a:p>
           <a:p>
-            <a:endParaRPr lang="en-US" sz="2000" dirty="0" smtClean="0">
+            <a:endParaRPr lang="en-US" sz="2000" dirty="0">
               <a:solidFill>
                 <a:schemeClr val="tx1">
                   <a:lumMod val="65000"/>
@@ -8316,7 +8215,7 @@
             </a:endParaRPr>
           </a:p>
           <a:p>
-            <a:endParaRPr lang="en-US" sz="2000" dirty="0" smtClean="0">
+            <a:endParaRPr lang="en-US" sz="2000" dirty="0">
               <a:solidFill>
                 <a:schemeClr val="tx1">
                   <a:lumMod val="65000"/>
@@ -8365,13 +8264,6 @@
   <p:clrMapOvr>
     <a:masterClrMapping/>
   </p:clrMapOvr>
-  <p:timing>
-    <p:tnLst>
-      <p:par>
-        <p:cTn id="1" dur="indefinite" restart="never" nodeType="tmRoot"/>
-      </p:par>
-    </p:tnLst>
-  </p:timing>
 </p:sld>
 </file>
 
@@ -8590,7 +8482,7 @@
           <a:lstStyle/>
           <a:p>
             <a:r>
-              <a:rPr lang="en-US" sz="2400" dirty="0" smtClean="0">
+              <a:rPr lang="en-US" sz="2400" dirty="0">
                 <a:solidFill>
                   <a:schemeClr val="tx1">
                     <a:lumMod val="65000"/>
@@ -8641,13 +8533,6 @@
   <p:clrMapOvr>
     <a:masterClrMapping/>
   </p:clrMapOvr>
-  <p:timing>
-    <p:tnLst>
-      <p:par>
-        <p:cTn id="1" dur="indefinite" restart="never" nodeType="tmRoot"/>
-      </p:par>
-    </p:tnLst>
-  </p:timing>
 </p:sld>
 </file>
 
@@ -8866,7 +8751,7 @@
           <a:lstStyle/>
           <a:p>
             <a:r>
-              <a:rPr lang="en-US" sz="2400" dirty="0" smtClean="0">
+              <a:rPr lang="en-US" sz="2400" dirty="0">
                 <a:solidFill>
                   <a:schemeClr val="tx1">
                     <a:lumMod val="65000"/>
@@ -8902,7 +8787,7 @@
           <a:lstStyle/>
           <a:p>
             <a:r>
-              <a:rPr lang="en-US" sz="2000" dirty="0" smtClean="0">
+              <a:rPr lang="en-US" sz="2000" dirty="0">
                 <a:solidFill>
                   <a:schemeClr val="tx1">
                     <a:lumMod val="65000"/>
@@ -10849,13 +10734,6 @@
   <p:clrMapOvr>
     <a:masterClrMapping/>
   </p:clrMapOvr>
-  <p:timing>
-    <p:tnLst>
-      <p:par>
-        <p:cTn id="1" dur="indefinite" restart="never" nodeType="tmRoot"/>
-      </p:par>
-    </p:tnLst>
-  </p:timing>
 </p:sld>
 </file>
 
@@ -11074,7 +10952,7 @@
           <a:lstStyle/>
           <a:p>
             <a:r>
-              <a:rPr lang="en-US" sz="2400" dirty="0" smtClean="0">
+              <a:rPr lang="en-US" sz="2400" dirty="0">
                 <a:solidFill>
                   <a:schemeClr val="tx1">
                     <a:lumMod val="65000"/>
@@ -11110,7 +10988,7 @@
           <a:lstStyle/>
           <a:p>
             <a:r>
-              <a:rPr lang="en-US" sz="2000" dirty="0" smtClean="0">
+              <a:rPr lang="en-US" sz="2000" dirty="0">
                 <a:solidFill>
                   <a:schemeClr val="tx1">
                     <a:lumMod val="65000"/>
@@ -13057,17 +12935,281 @@
   <p:clrMapOvr>
     <a:masterClrMapping/>
   </p:clrMapOvr>
-  <p:timing>
-    <p:tnLst>
-      <p:par>
-        <p:cTn id="1" dur="indefinite" restart="never" nodeType="tmRoot"/>
-      </p:par>
-    </p:tnLst>
-  </p:timing>
 </p:sld>
 </file>
 
 <file path=ppt/slides/slide17.xml><?xml version="1.0" encoding="utf-8"?>
+<p:sld xmlns:a="http://schemas.openxmlformats.org/drawingml/2006/main" xmlns:r="http://schemas.openxmlformats.org/officeDocument/2006/relationships" xmlns:p="http://schemas.openxmlformats.org/presentationml/2006/main">
+  <p:cSld>
+    <p:spTree>
+      <p:nvGrpSpPr>
+        <p:cNvPr id="1" name=""/>
+        <p:cNvGrpSpPr/>
+        <p:nvPr/>
+      </p:nvGrpSpPr>
+      <p:grpSpPr>
+        <a:xfrm>
+          <a:off x="0" y="0"/>
+          <a:ext cx="0" cy="0"/>
+          <a:chOff x="0" y="0"/>
+          <a:chExt cx="0" cy="0"/>
+        </a:xfrm>
+      </p:grpSpPr>
+      <p:cxnSp>
+        <p:nvCxnSpPr>
+          <p:cNvPr id="5" name="Straight Connector 4"/>
+          <p:cNvCxnSpPr/>
+          <p:nvPr/>
+        </p:nvCxnSpPr>
+        <p:spPr>
+          <a:xfrm>
+            <a:off x="0" y="503796"/>
+            <a:ext cx="9144000" cy="0"/>
+          </a:xfrm>
+          <a:prstGeom prst="line">
+            <a:avLst/>
+          </a:prstGeom>
+          <a:ln w="19050">
+            <a:solidFill>
+              <a:schemeClr val="tx2">
+                <a:lumMod val="40000"/>
+                <a:lumOff val="60000"/>
+              </a:schemeClr>
+            </a:solidFill>
+          </a:ln>
+        </p:spPr>
+        <p:style>
+          <a:lnRef idx="1">
+            <a:schemeClr val="accent1"/>
+          </a:lnRef>
+          <a:fillRef idx="0">
+            <a:schemeClr val="accent1"/>
+          </a:fillRef>
+          <a:effectRef idx="0">
+            <a:schemeClr val="accent1"/>
+          </a:effectRef>
+          <a:fontRef idx="minor">
+            <a:schemeClr val="tx1"/>
+          </a:fontRef>
+        </p:style>
+      </p:cxnSp>
+      <p:grpSp>
+        <p:nvGrpSpPr>
+          <p:cNvPr id="2" name="Group 1"/>
+          <p:cNvGrpSpPr/>
+          <p:nvPr/>
+        </p:nvGrpSpPr>
+        <p:grpSpPr>
+          <a:xfrm>
+            <a:off x="288760" y="152400"/>
+            <a:ext cx="685800" cy="685800"/>
+            <a:chOff x="762000" y="647700"/>
+            <a:chExt cx="952500" cy="952500"/>
+          </a:xfrm>
+        </p:grpSpPr>
+        <p:sp>
+          <p:nvSpPr>
+            <p:cNvPr id="7" name="Oval 6"/>
+            <p:cNvSpPr/>
+            <p:nvPr/>
+          </p:nvSpPr>
+          <p:spPr>
+            <a:xfrm>
+              <a:off x="762000" y="647700"/>
+              <a:ext cx="952500" cy="952500"/>
+            </a:xfrm>
+            <a:prstGeom prst="ellipse">
+              <a:avLst/>
+            </a:prstGeom>
+            <a:solidFill>
+              <a:schemeClr val="accent4"/>
+            </a:solidFill>
+            <a:ln>
+              <a:noFill/>
+            </a:ln>
+          </p:spPr>
+          <p:style>
+            <a:lnRef idx="2">
+              <a:schemeClr val="accent1">
+                <a:shade val="50000"/>
+              </a:schemeClr>
+            </a:lnRef>
+            <a:fillRef idx="1">
+              <a:schemeClr val="accent1"/>
+            </a:fillRef>
+            <a:effectRef idx="0">
+              <a:schemeClr val="accent1"/>
+            </a:effectRef>
+            <a:fontRef idx="minor">
+              <a:schemeClr val="lt1"/>
+            </a:fontRef>
+          </p:style>
+          <p:txBody>
+            <a:bodyPr rtlCol="0" anchor="ctr"/>
+            <a:lstStyle/>
+            <a:p>
+              <a:pPr algn="ctr"/>
+              <a:endParaRPr lang="en-US"/>
+            </a:p>
+          </p:txBody>
+        </p:sp>
+        <p:pic>
+          <p:nvPicPr>
+            <p:cNvPr id="9" name="Picture 8"/>
+            <p:cNvPicPr>
+              <a:picLocks noChangeAspect="1"/>
+            </p:cNvPicPr>
+            <p:nvPr/>
+          </p:nvPicPr>
+          <p:blipFill>
+            <a:blip r:embed="rId2" cstate="print">
+              <a:extLst>
+                <a:ext uri="{28A0092B-C50C-407E-A947-70E740481C1C}">
+                  <a14:useLocalDpi xmlns:a14="http://schemas.microsoft.com/office/drawing/2010/main" val="0"/>
+                </a:ext>
+              </a:extLst>
+            </a:blip>
+            <a:stretch>
+              <a:fillRect/>
+            </a:stretch>
+          </p:blipFill>
+          <p:spPr>
+            <a:xfrm>
+              <a:off x="920474" y="800416"/>
+              <a:ext cx="623318" cy="623318"/>
+            </a:xfrm>
+            <a:prstGeom prst="rect">
+              <a:avLst/>
+            </a:prstGeom>
+          </p:spPr>
+        </p:pic>
+      </p:grpSp>
+      <p:sp>
+        <p:nvSpPr>
+          <p:cNvPr id="4" name="Rectangle 3"/>
+          <p:cNvSpPr/>
+          <p:nvPr/>
+        </p:nvSpPr>
+        <p:spPr>
+          <a:xfrm>
+            <a:off x="1219199" y="152400"/>
+            <a:ext cx="3085013" cy="685800"/>
+          </a:xfrm>
+          <a:prstGeom prst="rect">
+            <a:avLst/>
+          </a:prstGeom>
+          <a:solidFill>
+            <a:schemeClr val="bg1"/>
+          </a:solidFill>
+          <a:ln>
+            <a:noFill/>
+          </a:ln>
+        </p:spPr>
+        <p:style>
+          <a:lnRef idx="2">
+            <a:schemeClr val="accent1">
+              <a:shade val="50000"/>
+            </a:schemeClr>
+          </a:lnRef>
+          <a:fillRef idx="1">
+            <a:schemeClr val="accent1"/>
+          </a:fillRef>
+          <a:effectRef idx="0">
+            <a:schemeClr val="accent1"/>
+          </a:effectRef>
+          <a:fontRef idx="minor">
+            <a:schemeClr val="lt1"/>
+          </a:fontRef>
+        </p:style>
+        <p:txBody>
+          <a:bodyPr rtlCol="0" anchor="ctr"/>
+          <a:lstStyle/>
+          <a:p>
+            <a:pPr algn="ctr"/>
+            <a:endParaRPr lang="en-US"/>
+          </a:p>
+        </p:txBody>
+      </p:sp>
+      <p:sp>
+        <p:nvSpPr>
+          <p:cNvPr id="3" name="TextBox 2"/>
+          <p:cNvSpPr txBox="1"/>
+          <p:nvPr/>
+        </p:nvSpPr>
+        <p:spPr>
+          <a:xfrm>
+            <a:off x="1219200" y="255917"/>
+            <a:ext cx="3085012" cy="461665"/>
+          </a:xfrm>
+          <a:prstGeom prst="rect">
+            <a:avLst/>
+          </a:prstGeom>
+          <a:noFill/>
+        </p:spPr>
+        <p:txBody>
+          <a:bodyPr wrap="none" rtlCol="0">
+            <a:spAutoFit/>
+          </a:bodyPr>
+          <a:lstStyle/>
+          <a:p>
+            <a:r>
+              <a:rPr lang="en-US" sz="2400" dirty="0">
+                <a:solidFill>
+                  <a:schemeClr val="tx1">
+                    <a:lumMod val="65000"/>
+                    <a:lumOff val="35000"/>
+                  </a:schemeClr>
+                </a:solidFill>
+              </a:rPr>
+              <a:t>Nationwide Prediction</a:t>
+            </a:r>
+          </a:p>
+        </p:txBody>
+      </p:sp>
+      <p:pic>
+        <p:nvPicPr>
+          <p:cNvPr id="12" name="Picture 11"/>
+          <p:cNvPicPr>
+            <a:picLocks noChangeAspect="1"/>
+          </p:cNvPicPr>
+          <p:nvPr/>
+        </p:nvPicPr>
+        <p:blipFill>
+          <a:blip r:embed="rId3">
+            <a:extLst>
+              <a:ext uri="{28A0092B-C50C-407E-A947-70E740481C1C}">
+                <a14:useLocalDpi xmlns:a14="http://schemas.microsoft.com/office/drawing/2010/main" val="0"/>
+              </a:ext>
+            </a:extLst>
+          </a:blip>
+          <a:stretch>
+            <a:fillRect/>
+          </a:stretch>
+        </p:blipFill>
+        <p:spPr>
+          <a:xfrm>
+            <a:off x="2171700" y="747838"/>
+            <a:ext cx="4800600" cy="3963798"/>
+          </a:xfrm>
+          <a:prstGeom prst="rect">
+            <a:avLst/>
+          </a:prstGeom>
+        </p:spPr>
+      </p:pic>
+    </p:spTree>
+    <p:extLst>
+      <p:ext uri="{BB962C8B-B14F-4D97-AF65-F5344CB8AC3E}">
+        <p14:creationId xmlns:p14="http://schemas.microsoft.com/office/powerpoint/2010/main" val="2323671868"/>
+      </p:ext>
+    </p:extLst>
+  </p:cSld>
+  <p:clrMapOvr>
+    <a:masterClrMapping/>
+  </p:clrMapOvr>
+</p:sld>
+</file>
+
+<file path=ppt/slides/slide18.xml><?xml version="1.0" encoding="utf-8"?>
 <p:sld xmlns:a="http://schemas.openxmlformats.org/drawingml/2006/main" xmlns:r="http://schemas.openxmlformats.org/officeDocument/2006/relationships" xmlns:p="http://schemas.openxmlformats.org/presentationml/2006/main">
   <p:cSld>
     <p:spTree>
@@ -13282,7 +13424,7 @@
           <a:lstStyle/>
           <a:p>
             <a:r>
-              <a:rPr lang="en-US" sz="2400" dirty="0" smtClean="0">
+              <a:rPr lang="en-US" sz="2400" dirty="0">
                 <a:solidFill>
                   <a:schemeClr val="tx1">
                     <a:lumMod val="65000"/>
@@ -13318,7 +13460,7 @@
           <a:lstStyle/>
           <a:p>
             <a:r>
-              <a:rPr lang="en-US" sz="1050" dirty="0" smtClean="0">
+              <a:rPr lang="en-US" sz="1050" dirty="0">
                 <a:solidFill>
                   <a:schemeClr val="tx1">
                     <a:lumMod val="65000"/>
@@ -13331,7 +13473,7 @@
           </a:p>
           <a:p>
             <a:r>
-              <a:rPr lang="en-US" sz="1050" dirty="0" smtClean="0">
+              <a:rPr lang="en-US" sz="1050" dirty="0">
                 <a:solidFill>
                   <a:schemeClr val="tx1">
                     <a:lumMod val="65000"/>
@@ -13342,7 +13484,7 @@
               <a:t>&lt;bound method </a:t>
             </a:r>
             <a:r>
-              <a:rPr lang="en-US" sz="1050" dirty="0" err="1" smtClean="0">
+              <a:rPr lang="en-US" sz="1050" dirty="0" err="1">
                 <a:solidFill>
                   <a:schemeClr val="tx1">
                     <a:lumMod val="65000"/>
@@ -13353,7 +13495,7 @@
               <a:t>LinearRegression.get_params</a:t>
             </a:r>
             <a:r>
-              <a:rPr lang="en-US" sz="1050" dirty="0" smtClean="0">
+              <a:rPr lang="en-US" sz="1050" dirty="0">
                 <a:solidFill>
                   <a:schemeClr val="tx1">
                     <a:lumMod val="65000"/>
@@ -13364,7 +13506,7 @@
               <a:t> of </a:t>
             </a:r>
             <a:r>
-              <a:rPr lang="en-US" sz="1050" dirty="0" err="1" smtClean="0">
+              <a:rPr lang="en-US" sz="1050" dirty="0" err="1">
                 <a:solidFill>
                   <a:schemeClr val="tx1">
                     <a:lumMod val="65000"/>
@@ -13375,7 +13517,7 @@
               <a:t>LinearRegression</a:t>
             </a:r>
             <a:r>
-              <a:rPr lang="en-US" sz="1050" dirty="0" smtClean="0">
+              <a:rPr lang="en-US" sz="1050" dirty="0">
                 <a:solidFill>
                   <a:schemeClr val="tx1">
                     <a:lumMod val="65000"/>
@@ -13386,7 +13528,7 @@
               <a:t>(</a:t>
             </a:r>
             <a:r>
-              <a:rPr lang="en-US" sz="1050" dirty="0" err="1" smtClean="0">
+              <a:rPr lang="en-US" sz="1050" dirty="0" err="1">
                 <a:solidFill>
                   <a:schemeClr val="tx1">
                     <a:lumMod val="65000"/>
@@ -13397,7 +13539,7 @@
               <a:t>copy_X</a:t>
             </a:r>
             <a:r>
-              <a:rPr lang="en-US" sz="1050" dirty="0" smtClean="0">
+              <a:rPr lang="en-US" sz="1050" dirty="0">
                 <a:solidFill>
                   <a:schemeClr val="tx1">
                     <a:lumMod val="65000"/>
@@ -13408,7 +13550,7 @@
               <a:t>=True, </a:t>
             </a:r>
             <a:r>
-              <a:rPr lang="en-US" sz="1050" dirty="0" err="1" smtClean="0">
+              <a:rPr lang="en-US" sz="1050" dirty="0" err="1">
                 <a:solidFill>
                   <a:schemeClr val="tx1">
                     <a:lumMod val="65000"/>
@@ -13419,7 +13561,7 @@
               <a:t>fit_intercept</a:t>
             </a:r>
             <a:r>
-              <a:rPr lang="en-US" sz="1050" dirty="0" smtClean="0">
+              <a:rPr lang="en-US" sz="1050" dirty="0">
                 <a:solidFill>
                   <a:schemeClr val="tx1">
                     <a:lumMod val="65000"/>
@@ -13430,7 +13572,7 @@
               <a:t>=True, </a:t>
             </a:r>
             <a:r>
-              <a:rPr lang="en-US" sz="1050" dirty="0" err="1" smtClean="0">
+              <a:rPr lang="en-US" sz="1050" dirty="0" err="1">
                 <a:solidFill>
                   <a:schemeClr val="tx1">
                     <a:lumMod val="65000"/>
@@ -13441,7 +13583,7 @@
               <a:t>n_jobs</a:t>
             </a:r>
             <a:r>
-              <a:rPr lang="en-US" sz="1050" dirty="0" smtClean="0">
+              <a:rPr lang="en-US" sz="1050" dirty="0">
                 <a:solidFill>
                   <a:schemeClr val="tx1">
                     <a:lumMod val="65000"/>
@@ -13454,7 +13596,7 @@
           </a:p>
           <a:p>
             <a:r>
-              <a:rPr lang="en-US" sz="1050" dirty="0" smtClean="0">
+              <a:rPr lang="en-US" sz="1050" dirty="0">
                 <a:solidFill>
                   <a:schemeClr val="tx1">
                     <a:lumMod val="65000"/>
@@ -13467,7 +13609,7 @@
           </a:p>
           <a:p>
             <a:r>
-              <a:rPr lang="en-US" sz="1050" dirty="0" smtClean="0">
+              <a:rPr lang="en-US" sz="1050" dirty="0">
                 <a:solidFill>
                   <a:schemeClr val="tx1">
                     <a:lumMod val="65000"/>
@@ -13480,7 +13622,7 @@
           </a:p>
           <a:p>
             <a:r>
-              <a:rPr lang="en-US" sz="1050" dirty="0" smtClean="0">
+              <a:rPr lang="en-US" sz="1050" dirty="0">
                 <a:solidFill>
                   <a:schemeClr val="tx1">
                     <a:lumMod val="65000"/>
@@ -13493,7 +13635,7 @@
           </a:p>
           <a:p>
             <a:r>
-              <a:rPr lang="en-US" sz="1050" dirty="0" smtClean="0">
+              <a:rPr lang="en-US" sz="1050" dirty="0">
                 <a:solidFill>
                   <a:schemeClr val="tx1">
                     <a:lumMod val="65000"/>
@@ -13506,7 +13648,7 @@
           </a:p>
           <a:p>
             <a:r>
-              <a:rPr lang="en-US" sz="1050" dirty="0" smtClean="0">
+              <a:rPr lang="en-US" sz="1050" dirty="0">
                 <a:solidFill>
                   <a:schemeClr val="tx1">
                     <a:lumMod val="65000"/>
@@ -13517,7 +13659,7 @@
               <a:t>&lt;bound method </a:t>
             </a:r>
             <a:r>
-              <a:rPr lang="en-US" sz="1050" dirty="0" err="1" smtClean="0">
+              <a:rPr lang="en-US" sz="1050" dirty="0" err="1">
                 <a:solidFill>
                   <a:schemeClr val="tx1">
                     <a:lumMod val="65000"/>
@@ -13528,7 +13670,7 @@
               <a:t>LinearRegression.get_params</a:t>
             </a:r>
             <a:r>
-              <a:rPr lang="en-US" sz="1050" dirty="0" smtClean="0">
+              <a:rPr lang="en-US" sz="1050" dirty="0">
                 <a:solidFill>
                   <a:schemeClr val="tx1">
                     <a:lumMod val="65000"/>
@@ -13539,7 +13681,7 @@
               <a:t> of </a:t>
             </a:r>
             <a:r>
-              <a:rPr lang="en-US" sz="1050" dirty="0" err="1" smtClean="0">
+              <a:rPr lang="en-US" sz="1050" dirty="0" err="1">
                 <a:solidFill>
                   <a:schemeClr val="tx1">
                     <a:lumMod val="65000"/>
@@ -13550,7 +13692,7 @@
               <a:t>LinearRegression</a:t>
             </a:r>
             <a:r>
-              <a:rPr lang="en-US" sz="1050" dirty="0" smtClean="0">
+              <a:rPr lang="en-US" sz="1050" dirty="0">
                 <a:solidFill>
                   <a:schemeClr val="tx1">
                     <a:lumMod val="65000"/>
@@ -13561,7 +13703,7 @@
               <a:t>(</a:t>
             </a:r>
             <a:r>
-              <a:rPr lang="en-US" sz="1050" dirty="0" err="1" smtClean="0">
+              <a:rPr lang="en-US" sz="1050" dirty="0" err="1">
                 <a:solidFill>
                   <a:schemeClr val="tx1">
                     <a:lumMod val="65000"/>
@@ -13572,7 +13714,7 @@
               <a:t>copy_X</a:t>
             </a:r>
             <a:r>
-              <a:rPr lang="en-US" sz="1050" dirty="0" smtClean="0">
+              <a:rPr lang="en-US" sz="1050" dirty="0">
                 <a:solidFill>
                   <a:schemeClr val="tx1">
                     <a:lumMod val="65000"/>
@@ -13583,7 +13725,7 @@
               <a:t>=True, </a:t>
             </a:r>
             <a:r>
-              <a:rPr lang="en-US" sz="1050" dirty="0" err="1" smtClean="0">
+              <a:rPr lang="en-US" sz="1050" dirty="0" err="1">
                 <a:solidFill>
                   <a:schemeClr val="tx1">
                     <a:lumMod val="65000"/>
@@ -13594,7 +13736,7 @@
               <a:t>fit_intercept</a:t>
             </a:r>
             <a:r>
-              <a:rPr lang="en-US" sz="1050" dirty="0" smtClean="0">
+              <a:rPr lang="en-US" sz="1050" dirty="0">
                 <a:solidFill>
                   <a:schemeClr val="tx1">
                     <a:lumMod val="65000"/>
@@ -13605,7 +13747,7 @@
               <a:t>=True, </a:t>
             </a:r>
             <a:r>
-              <a:rPr lang="en-US" sz="1050" dirty="0" err="1" smtClean="0">
+              <a:rPr lang="en-US" sz="1050" dirty="0" err="1">
                 <a:solidFill>
                   <a:schemeClr val="tx1">
                     <a:lumMod val="65000"/>
@@ -13616,7 +13758,7 @@
               <a:t>n_jobs</a:t>
             </a:r>
             <a:r>
-              <a:rPr lang="en-US" sz="1050" dirty="0" smtClean="0">
+              <a:rPr lang="en-US" sz="1050" dirty="0">
                 <a:solidFill>
                   <a:schemeClr val="tx1">
                     <a:lumMod val="65000"/>
@@ -13629,7 +13771,7 @@
           </a:p>
           <a:p>
             <a:r>
-              <a:rPr lang="en-US" sz="1050" dirty="0" smtClean="0">
+              <a:rPr lang="en-US" sz="1050" dirty="0">
                 <a:solidFill>
                   <a:schemeClr val="tx1">
                     <a:lumMod val="65000"/>
@@ -13642,7 +13784,7 @@
           </a:p>
           <a:p>
             <a:r>
-              <a:rPr lang="en-US" sz="1050" dirty="0" smtClean="0">
+              <a:rPr lang="en-US" sz="1050" dirty="0">
                 <a:solidFill>
                   <a:schemeClr val="tx1">
                     <a:lumMod val="65000"/>
@@ -13655,7 +13797,7 @@
           </a:p>
           <a:p>
             <a:r>
-              <a:rPr lang="en-US" sz="1050" dirty="0" smtClean="0">
+              <a:rPr lang="en-US" sz="1050" dirty="0">
                 <a:solidFill>
                   <a:schemeClr val="tx1">
                     <a:lumMod val="65000"/>
@@ -13668,7 +13810,7 @@
           </a:p>
           <a:p>
             <a:r>
-              <a:rPr lang="en-US" sz="1050" dirty="0" smtClean="0">
+              <a:rPr lang="en-US" sz="1050" dirty="0">
                 <a:solidFill>
                   <a:schemeClr val="tx1">
                     <a:lumMod val="65000"/>
@@ -13681,7 +13823,7 @@
           </a:p>
           <a:p>
             <a:r>
-              <a:rPr lang="en-US" sz="1050" dirty="0" smtClean="0">
+              <a:rPr lang="en-US" sz="1050" dirty="0">
                 <a:solidFill>
                   <a:schemeClr val="tx1">
                     <a:lumMod val="65000"/>
@@ -13692,7 +13834,7 @@
               <a:t>&lt;bound method </a:t>
             </a:r>
             <a:r>
-              <a:rPr lang="en-US" sz="1050" dirty="0" err="1" smtClean="0">
+              <a:rPr lang="en-US" sz="1050" dirty="0" err="1">
                 <a:solidFill>
                   <a:schemeClr val="tx1">
                     <a:lumMod val="65000"/>
@@ -13703,7 +13845,7 @@
               <a:t>LinearRegression.get_params</a:t>
             </a:r>
             <a:r>
-              <a:rPr lang="en-US" sz="1050" dirty="0" smtClean="0">
+              <a:rPr lang="en-US" sz="1050" dirty="0">
                 <a:solidFill>
                   <a:schemeClr val="tx1">
                     <a:lumMod val="65000"/>
@@ -13714,7 +13856,7 @@
               <a:t> of </a:t>
             </a:r>
             <a:r>
-              <a:rPr lang="en-US" sz="1050" dirty="0" err="1" smtClean="0">
+              <a:rPr lang="en-US" sz="1050" dirty="0" err="1">
                 <a:solidFill>
                   <a:schemeClr val="tx1">
                     <a:lumMod val="65000"/>
@@ -13725,7 +13867,7 @@
               <a:t>LinearRegression</a:t>
             </a:r>
             <a:r>
-              <a:rPr lang="en-US" sz="1050" dirty="0" smtClean="0">
+              <a:rPr lang="en-US" sz="1050" dirty="0">
                 <a:solidFill>
                   <a:schemeClr val="tx1">
                     <a:lumMod val="65000"/>
@@ -13736,7 +13878,7 @@
               <a:t>(</a:t>
             </a:r>
             <a:r>
-              <a:rPr lang="en-US" sz="1050" dirty="0" err="1" smtClean="0">
+              <a:rPr lang="en-US" sz="1050" dirty="0" err="1">
                 <a:solidFill>
                   <a:schemeClr val="tx1">
                     <a:lumMod val="65000"/>
@@ -13747,7 +13889,7 @@
               <a:t>copy_X</a:t>
             </a:r>
             <a:r>
-              <a:rPr lang="en-US" sz="1050" dirty="0" smtClean="0">
+              <a:rPr lang="en-US" sz="1050" dirty="0">
                 <a:solidFill>
                   <a:schemeClr val="tx1">
                     <a:lumMod val="65000"/>
@@ -13758,7 +13900,7 @@
               <a:t>=True, </a:t>
             </a:r>
             <a:r>
-              <a:rPr lang="en-US" sz="1050" dirty="0" err="1" smtClean="0">
+              <a:rPr lang="en-US" sz="1050" dirty="0" err="1">
                 <a:solidFill>
                   <a:schemeClr val="tx1">
                     <a:lumMod val="65000"/>
@@ -13769,7 +13911,7 @@
               <a:t>fit_intercept</a:t>
             </a:r>
             <a:r>
-              <a:rPr lang="en-US" sz="1050" dirty="0" smtClean="0">
+              <a:rPr lang="en-US" sz="1050" dirty="0">
                 <a:solidFill>
                   <a:schemeClr val="tx1">
                     <a:lumMod val="65000"/>
@@ -13780,7 +13922,7 @@
               <a:t>=True, </a:t>
             </a:r>
             <a:r>
-              <a:rPr lang="en-US" sz="1050" dirty="0" err="1" smtClean="0">
+              <a:rPr lang="en-US" sz="1050" dirty="0" err="1">
                 <a:solidFill>
                   <a:schemeClr val="tx1">
                     <a:lumMod val="65000"/>
@@ -13791,7 +13933,7 @@
               <a:t>n_jobs</a:t>
             </a:r>
             <a:r>
-              <a:rPr lang="en-US" sz="1050" dirty="0" smtClean="0">
+              <a:rPr lang="en-US" sz="1050" dirty="0">
                 <a:solidFill>
                   <a:schemeClr val="tx1">
                     <a:lumMod val="65000"/>
@@ -13804,7 +13946,7 @@
           </a:p>
           <a:p>
             <a:r>
-              <a:rPr lang="en-US" sz="1050" dirty="0" smtClean="0">
+              <a:rPr lang="en-US" sz="1050" dirty="0">
                 <a:solidFill>
                   <a:schemeClr val="tx1">
                     <a:lumMod val="65000"/>
@@ -13817,7 +13959,7 @@
           </a:p>
           <a:p>
             <a:r>
-              <a:rPr lang="en-US" sz="1050" dirty="0" smtClean="0">
+              <a:rPr lang="en-US" sz="1050" dirty="0">
                 <a:solidFill>
                   <a:schemeClr val="tx1">
                     <a:lumMod val="65000"/>
@@ -13830,7 +13972,7 @@
           </a:p>
           <a:p>
             <a:r>
-              <a:rPr lang="en-US" sz="1050" dirty="0" smtClean="0">
+              <a:rPr lang="en-US" sz="1050" dirty="0">
                 <a:solidFill>
                   <a:schemeClr val="tx1">
                     <a:lumMod val="65000"/>
@@ -13881,17 +14023,10 @@
   <p:clrMapOvr>
     <a:masterClrMapping/>
   </p:clrMapOvr>
-  <p:timing>
-    <p:tnLst>
-      <p:par>
-        <p:cTn id="1" dur="indefinite" restart="never" nodeType="tmRoot"/>
-      </p:par>
-    </p:tnLst>
-  </p:timing>
 </p:sld>
 </file>
 
-<file path=ppt/slides/slide18.xml><?xml version="1.0" encoding="utf-8"?>
+<file path=ppt/slides/slide19.xml><?xml version="1.0" encoding="utf-8"?>
 <p:sld xmlns:a="http://schemas.openxmlformats.org/drawingml/2006/main" xmlns:r="http://schemas.openxmlformats.org/officeDocument/2006/relationships" xmlns:p="http://schemas.openxmlformats.org/presentationml/2006/main">
   <p:cSld>
     <p:spTree>
@@ -14106,7 +14241,7 @@
           <a:lstStyle/>
           <a:p>
             <a:r>
-              <a:rPr lang="en-US" sz="2400" dirty="0" smtClean="0">
+              <a:rPr lang="en-US" sz="2400" dirty="0">
                 <a:solidFill>
                   <a:schemeClr val="tx1">
                     <a:lumMod val="65000"/>
@@ -14151,399 +14286,6 @@
   <p:clrMapOvr>
     <a:masterClrMapping/>
   </p:clrMapOvr>
-  <p:timing>
-    <p:tnLst>
-      <p:par>
-        <p:cTn id="1" dur="indefinite" restart="never" nodeType="tmRoot"/>
-      </p:par>
-    </p:tnLst>
-  </p:timing>
-</p:sld>
-</file>
-
-<file path=ppt/slides/slide19.xml><?xml version="1.0" encoding="utf-8"?>
-<p:sld xmlns:a="http://schemas.openxmlformats.org/drawingml/2006/main" xmlns:r="http://schemas.openxmlformats.org/officeDocument/2006/relationships" xmlns:p="http://schemas.openxmlformats.org/presentationml/2006/main">
-  <p:cSld>
-    <p:spTree>
-      <p:nvGrpSpPr>
-        <p:cNvPr id="1" name=""/>
-        <p:cNvGrpSpPr/>
-        <p:nvPr/>
-      </p:nvGrpSpPr>
-      <p:grpSpPr>
-        <a:xfrm>
-          <a:off x="0" y="0"/>
-          <a:ext cx="0" cy="0"/>
-          <a:chOff x="0" y="0"/>
-          <a:chExt cx="0" cy="0"/>
-        </a:xfrm>
-      </p:grpSpPr>
-      <p:cxnSp>
-        <p:nvCxnSpPr>
-          <p:cNvPr id="5" name="Straight Connector 4"/>
-          <p:cNvCxnSpPr/>
-          <p:nvPr/>
-        </p:nvCxnSpPr>
-        <p:spPr>
-          <a:xfrm>
-            <a:off x="0" y="503796"/>
-            <a:ext cx="9144000" cy="0"/>
-          </a:xfrm>
-          <a:prstGeom prst="line">
-            <a:avLst/>
-          </a:prstGeom>
-          <a:ln w="19050">
-            <a:solidFill>
-              <a:schemeClr val="tx2">
-                <a:lumMod val="40000"/>
-                <a:lumOff val="60000"/>
-              </a:schemeClr>
-            </a:solidFill>
-          </a:ln>
-        </p:spPr>
-        <p:style>
-          <a:lnRef idx="1">
-            <a:schemeClr val="accent1"/>
-          </a:lnRef>
-          <a:fillRef idx="0">
-            <a:schemeClr val="accent1"/>
-          </a:fillRef>
-          <a:effectRef idx="0">
-            <a:schemeClr val="accent1"/>
-          </a:effectRef>
-          <a:fontRef idx="minor">
-            <a:schemeClr val="tx1"/>
-          </a:fontRef>
-        </p:style>
-      </p:cxnSp>
-      <p:grpSp>
-        <p:nvGrpSpPr>
-          <p:cNvPr id="2" name="Group 1"/>
-          <p:cNvGrpSpPr/>
-          <p:nvPr/>
-        </p:nvGrpSpPr>
-        <p:grpSpPr>
-          <a:xfrm>
-            <a:off x="288760" y="152400"/>
-            <a:ext cx="685800" cy="685800"/>
-            <a:chOff x="762000" y="647700"/>
-            <a:chExt cx="952500" cy="952500"/>
-          </a:xfrm>
-        </p:grpSpPr>
-        <p:sp>
-          <p:nvSpPr>
-            <p:cNvPr id="7" name="Oval 6"/>
-            <p:cNvSpPr/>
-            <p:nvPr/>
-          </p:nvSpPr>
-          <p:spPr>
-            <a:xfrm>
-              <a:off x="762000" y="647700"/>
-              <a:ext cx="952500" cy="952500"/>
-            </a:xfrm>
-            <a:prstGeom prst="ellipse">
-              <a:avLst/>
-            </a:prstGeom>
-            <a:solidFill>
-              <a:schemeClr val="accent4"/>
-            </a:solidFill>
-            <a:ln>
-              <a:noFill/>
-            </a:ln>
-          </p:spPr>
-          <p:style>
-            <a:lnRef idx="2">
-              <a:schemeClr val="accent1">
-                <a:shade val="50000"/>
-              </a:schemeClr>
-            </a:lnRef>
-            <a:fillRef idx="1">
-              <a:schemeClr val="accent1"/>
-            </a:fillRef>
-            <a:effectRef idx="0">
-              <a:schemeClr val="accent1"/>
-            </a:effectRef>
-            <a:fontRef idx="minor">
-              <a:schemeClr val="lt1"/>
-            </a:fontRef>
-          </p:style>
-          <p:txBody>
-            <a:bodyPr rtlCol="0" anchor="ctr"/>
-            <a:lstStyle/>
-            <a:p>
-              <a:pPr algn="ctr"/>
-              <a:endParaRPr lang="en-US"/>
-            </a:p>
-          </p:txBody>
-        </p:sp>
-        <p:pic>
-          <p:nvPicPr>
-            <p:cNvPr id="9" name="Picture 8"/>
-            <p:cNvPicPr>
-              <a:picLocks noChangeAspect="1"/>
-            </p:cNvPicPr>
-            <p:nvPr/>
-          </p:nvPicPr>
-          <p:blipFill>
-            <a:blip r:embed="rId2" cstate="print">
-              <a:extLst>
-                <a:ext uri="{28A0092B-C50C-407E-A947-70E740481C1C}">
-                  <a14:useLocalDpi xmlns:a14="http://schemas.microsoft.com/office/drawing/2010/main" val="0"/>
-                </a:ext>
-              </a:extLst>
-            </a:blip>
-            <a:stretch>
-              <a:fillRect/>
-            </a:stretch>
-          </p:blipFill>
-          <p:spPr>
-            <a:xfrm>
-              <a:off x="920474" y="800416"/>
-              <a:ext cx="623318" cy="623318"/>
-            </a:xfrm>
-            <a:prstGeom prst="rect">
-              <a:avLst/>
-            </a:prstGeom>
-          </p:spPr>
-        </p:pic>
-      </p:grpSp>
-      <p:sp>
-        <p:nvSpPr>
-          <p:cNvPr id="4" name="Rectangle 3"/>
-          <p:cNvSpPr/>
-          <p:nvPr/>
-        </p:nvSpPr>
-        <p:spPr>
-          <a:xfrm>
-            <a:off x="1219200" y="152400"/>
-            <a:ext cx="1676400" cy="685800"/>
-          </a:xfrm>
-          <a:prstGeom prst="rect">
-            <a:avLst/>
-          </a:prstGeom>
-          <a:solidFill>
-            <a:schemeClr val="bg1"/>
-          </a:solidFill>
-          <a:ln>
-            <a:noFill/>
-          </a:ln>
-        </p:spPr>
-        <p:style>
-          <a:lnRef idx="2">
-            <a:schemeClr val="accent1">
-              <a:shade val="50000"/>
-            </a:schemeClr>
-          </a:lnRef>
-          <a:fillRef idx="1">
-            <a:schemeClr val="accent1"/>
-          </a:fillRef>
-          <a:effectRef idx="0">
-            <a:schemeClr val="accent1"/>
-          </a:effectRef>
-          <a:fontRef idx="minor">
-            <a:schemeClr val="lt1"/>
-          </a:fontRef>
-        </p:style>
-        <p:txBody>
-          <a:bodyPr rtlCol="0" anchor="ctr"/>
-          <a:lstStyle/>
-          <a:p>
-            <a:pPr algn="ctr"/>
-            <a:endParaRPr lang="en-US"/>
-          </a:p>
-        </p:txBody>
-      </p:sp>
-      <p:sp>
-        <p:nvSpPr>
-          <p:cNvPr id="3" name="TextBox 2"/>
-          <p:cNvSpPr txBox="1"/>
-          <p:nvPr/>
-        </p:nvSpPr>
-        <p:spPr>
-          <a:xfrm>
-            <a:off x="1219200" y="255917"/>
-            <a:ext cx="1592359" cy="461665"/>
-          </a:xfrm>
-          <a:prstGeom prst="rect">
-            <a:avLst/>
-          </a:prstGeom>
-          <a:noFill/>
-        </p:spPr>
-        <p:txBody>
-          <a:bodyPr wrap="none" rtlCol="0">
-            <a:spAutoFit/>
-          </a:bodyPr>
-          <a:lstStyle/>
-          <a:p>
-            <a:r>
-              <a:rPr lang="en-US" sz="2400" dirty="0" smtClean="0">
-                <a:solidFill>
-                  <a:schemeClr val="tx1">
-                    <a:lumMod val="65000"/>
-                    <a:lumOff val="35000"/>
-                  </a:schemeClr>
-                </a:solidFill>
-              </a:rPr>
-              <a:t>Next Steps</a:t>
-            </a:r>
-          </a:p>
-        </p:txBody>
-      </p:sp>
-      <p:sp>
-        <p:nvSpPr>
-          <p:cNvPr id="10" name="TextBox 9"/>
-          <p:cNvSpPr txBox="1"/>
-          <p:nvPr/>
-        </p:nvSpPr>
-        <p:spPr>
-          <a:xfrm>
-            <a:off x="1219200" y="2943820"/>
-            <a:ext cx="772840" cy="923330"/>
-          </a:xfrm>
-          <a:prstGeom prst="rect">
-            <a:avLst/>
-          </a:prstGeom>
-          <a:noFill/>
-        </p:spPr>
-        <p:txBody>
-          <a:bodyPr wrap="none" rtlCol="0">
-            <a:spAutoFit/>
-          </a:bodyPr>
-          <a:lstStyle/>
-          <a:p>
-            <a:r>
-              <a:rPr lang="en-US" sz="5400" dirty="0" smtClean="0">
-                <a:solidFill>
-                  <a:schemeClr val="accent4"/>
-                </a:solidFill>
-              </a:rPr>
-              <a:t>1.</a:t>
-            </a:r>
-          </a:p>
-        </p:txBody>
-      </p:sp>
-      <p:sp>
-        <p:nvSpPr>
-          <p:cNvPr id="11" name="TextBox 10"/>
-          <p:cNvSpPr txBox="1"/>
-          <p:nvPr/>
-        </p:nvSpPr>
-        <p:spPr>
-          <a:xfrm>
-            <a:off x="4810694" y="2943820"/>
-            <a:ext cx="772840" cy="923330"/>
-          </a:xfrm>
-          <a:prstGeom prst="rect">
-            <a:avLst/>
-          </a:prstGeom>
-          <a:noFill/>
-        </p:spPr>
-        <p:txBody>
-          <a:bodyPr wrap="none" rtlCol="0">
-            <a:spAutoFit/>
-          </a:bodyPr>
-          <a:lstStyle/>
-          <a:p>
-            <a:r>
-              <a:rPr lang="en-US" sz="5400" dirty="0" smtClean="0">
-                <a:solidFill>
-                  <a:schemeClr val="accent4"/>
-                </a:solidFill>
-              </a:rPr>
-              <a:t>2.</a:t>
-            </a:r>
-          </a:p>
-        </p:txBody>
-      </p:sp>
-      <p:sp>
-        <p:nvSpPr>
-          <p:cNvPr id="12" name="TextBox 11"/>
-          <p:cNvSpPr txBox="1"/>
-          <p:nvPr/>
-        </p:nvSpPr>
-        <p:spPr>
-          <a:xfrm>
-            <a:off x="1992040" y="1486256"/>
-            <a:ext cx="2427560" cy="2308324"/>
-          </a:xfrm>
-          <a:prstGeom prst="rect">
-            <a:avLst/>
-          </a:prstGeom>
-          <a:noFill/>
-        </p:spPr>
-        <p:txBody>
-          <a:bodyPr wrap="square" rtlCol="0">
-            <a:spAutoFit/>
-          </a:bodyPr>
-          <a:lstStyle/>
-          <a:p>
-            <a:r>
-              <a:rPr lang="en-US" sz="2400" dirty="0" smtClean="0">
-                <a:solidFill>
-                  <a:schemeClr val="tx1">
-                    <a:lumMod val="65000"/>
-                    <a:lumOff val="35000"/>
-                  </a:schemeClr>
-                </a:solidFill>
-              </a:rPr>
-              <a:t>Create a web app for planners to test the viability of the proposed development</a:t>
-            </a:r>
-          </a:p>
-        </p:txBody>
-      </p:sp>
-      <p:sp>
-        <p:nvSpPr>
-          <p:cNvPr id="13" name="TextBox 12"/>
-          <p:cNvSpPr txBox="1"/>
-          <p:nvPr/>
-        </p:nvSpPr>
-        <p:spPr>
-          <a:xfrm>
-            <a:off x="5583534" y="1558826"/>
-            <a:ext cx="2646066" cy="2308324"/>
-          </a:xfrm>
-          <a:prstGeom prst="rect">
-            <a:avLst/>
-          </a:prstGeom>
-          <a:noFill/>
-        </p:spPr>
-        <p:txBody>
-          <a:bodyPr wrap="square" rtlCol="0">
-            <a:spAutoFit/>
-          </a:bodyPr>
-          <a:lstStyle/>
-          <a:p>
-            <a:r>
-              <a:rPr lang="en-US" sz="2400" dirty="0" smtClean="0">
-                <a:solidFill>
-                  <a:schemeClr val="tx1">
-                    <a:lumMod val="65000"/>
-                    <a:lumOff val="35000"/>
-                  </a:schemeClr>
-                </a:solidFill>
-              </a:rPr>
-              <a:t>Understand how to best place low income housing developments and use a tool for advocacy</a:t>
-            </a:r>
-          </a:p>
-        </p:txBody>
-      </p:sp>
-    </p:spTree>
-    <p:extLst>
-      <p:ext uri="{BB962C8B-B14F-4D97-AF65-F5344CB8AC3E}">
-        <p14:creationId xmlns:p14="http://schemas.microsoft.com/office/powerpoint/2010/main" val="1056703543"/>
-      </p:ext>
-    </p:extLst>
-  </p:cSld>
-  <p:clrMapOvr>
-    <a:masterClrMapping/>
-  </p:clrMapOvr>
-  <p:timing>
-    <p:tnLst>
-      <p:par>
-        <p:cTn id="1" dur="indefinite" restart="never" nodeType="tmRoot"/>
-      </p:par>
-    </p:tnLst>
-  </p:timing>
 </p:sld>
 </file>
 
@@ -14762,7 +14504,7 @@
           <a:lstStyle/>
           <a:p>
             <a:r>
-              <a:rPr lang="en-US" sz="2400" dirty="0" smtClean="0">
+              <a:rPr lang="en-US" sz="2400" dirty="0">
                 <a:solidFill>
                   <a:schemeClr val="tx1">
                     <a:lumMod val="65000"/>
@@ -14798,7 +14540,7 @@
           <a:p>
             <a:pPr algn="ctr"/>
             <a:r>
-              <a:rPr lang="en-US" sz="1600" dirty="0" smtClean="0">
+              <a:rPr lang="en-US" sz="1600" dirty="0">
                 <a:solidFill>
                   <a:schemeClr val="tx1">
                     <a:lumMod val="65000"/>
@@ -14808,14 +14550,6 @@
               </a:rPr>
               <a:t>Created in 1986 under President Reagan to further the development of affordable housing (Section 42 of the 1986 Tax Reform Act).</a:t>
             </a:r>
-            <a:endParaRPr lang="en-US" sz="1600" dirty="0">
-              <a:solidFill>
-                <a:schemeClr val="tx1">
-                  <a:lumMod val="65000"/>
-                  <a:lumOff val="35000"/>
-                </a:schemeClr>
-              </a:solidFill>
-            </a:endParaRPr>
           </a:p>
         </p:txBody>
       </p:sp>
@@ -14842,7 +14576,7 @@
           <a:p>
             <a:pPr algn="ctr"/>
             <a:r>
-              <a:rPr lang="en-US" sz="1600" dirty="0" smtClean="0">
+              <a:rPr lang="en-US" sz="1600" dirty="0">
                 <a:solidFill>
                   <a:schemeClr val="tx1">
                     <a:lumMod val="65000"/>
@@ -14878,7 +14612,7 @@
           <a:p>
             <a:pPr algn="ctr"/>
             <a:r>
-              <a:rPr lang="en-US" sz="1600" dirty="0" smtClean="0">
+              <a:rPr lang="en-US" sz="1600" dirty="0">
                 <a:solidFill>
                   <a:schemeClr val="tx1">
                     <a:lumMod val="65000"/>
@@ -14914,7 +14648,7 @@
           <a:p>
             <a:pPr algn="ctr"/>
             <a:r>
-              <a:rPr lang="en-US" sz="1600" dirty="0" smtClean="0">
+              <a:rPr lang="en-US" sz="1600" dirty="0">
                 <a:solidFill>
                   <a:schemeClr val="tx1">
                     <a:lumMod val="65000"/>
@@ -15215,7 +14949,7 @@
         <p:spPr>
           <a:xfrm>
             <a:off x="1219200" y="152400"/>
-            <a:ext cx="1106393" cy="685800"/>
+            <a:ext cx="1676400" cy="685800"/>
           </a:xfrm>
           <a:prstGeom prst="rect">
             <a:avLst/>
@@ -15261,7 +14995,7 @@
         <p:spPr>
           <a:xfrm>
             <a:off x="1219200" y="255917"/>
-            <a:ext cx="1106393" cy="461665"/>
+            <a:ext cx="1592359" cy="461665"/>
           </a:xfrm>
           <a:prstGeom prst="rect">
             <a:avLst/>
@@ -15275,7 +15009,7 @@
           <a:lstStyle/>
           <a:p>
             <a:r>
-              <a:rPr lang="en-US" sz="2400" dirty="0" smtClean="0">
+              <a:rPr lang="en-US" sz="2400" dirty="0">
                 <a:solidFill>
                   <a:schemeClr val="tx1">
                     <a:lumMod val="65000"/>
@@ -15283,21 +15017,87 @@
                   </a:schemeClr>
                 </a:solidFill>
               </a:rPr>
-              <a:t>Credits</a:t>
+              <a:t>Next Steps</a:t>
             </a:r>
           </a:p>
         </p:txBody>
       </p:sp>
       <p:sp>
         <p:nvSpPr>
-          <p:cNvPr id="8" name="TextBox 7"/>
+          <p:cNvPr id="10" name="TextBox 9"/>
           <p:cNvSpPr txBox="1"/>
           <p:nvPr/>
         </p:nvSpPr>
         <p:spPr>
           <a:xfrm>
-            <a:off x="1132114" y="1504950"/>
-            <a:ext cx="7315200" cy="2240613"/>
+            <a:off x="1219200" y="2943820"/>
+            <a:ext cx="772840" cy="923330"/>
+          </a:xfrm>
+          <a:prstGeom prst="rect">
+            <a:avLst/>
+          </a:prstGeom>
+          <a:noFill/>
+        </p:spPr>
+        <p:txBody>
+          <a:bodyPr wrap="none" rtlCol="0">
+            <a:spAutoFit/>
+          </a:bodyPr>
+          <a:lstStyle/>
+          <a:p>
+            <a:r>
+              <a:rPr lang="en-US" sz="5400" dirty="0">
+                <a:solidFill>
+                  <a:schemeClr val="accent4"/>
+                </a:solidFill>
+              </a:rPr>
+              <a:t>1.</a:t>
+            </a:r>
+          </a:p>
+        </p:txBody>
+      </p:sp>
+      <p:sp>
+        <p:nvSpPr>
+          <p:cNvPr id="11" name="TextBox 10"/>
+          <p:cNvSpPr txBox="1"/>
+          <p:nvPr/>
+        </p:nvSpPr>
+        <p:spPr>
+          <a:xfrm>
+            <a:off x="4810694" y="2943820"/>
+            <a:ext cx="772840" cy="923330"/>
+          </a:xfrm>
+          <a:prstGeom prst="rect">
+            <a:avLst/>
+          </a:prstGeom>
+          <a:noFill/>
+        </p:spPr>
+        <p:txBody>
+          <a:bodyPr wrap="none" rtlCol="0">
+            <a:spAutoFit/>
+          </a:bodyPr>
+          <a:lstStyle/>
+          <a:p>
+            <a:r>
+              <a:rPr lang="en-US" sz="5400" dirty="0">
+                <a:solidFill>
+                  <a:schemeClr val="accent4"/>
+                </a:solidFill>
+              </a:rPr>
+              <a:t>2.</a:t>
+            </a:r>
+          </a:p>
+        </p:txBody>
+      </p:sp>
+      <p:sp>
+        <p:nvSpPr>
+          <p:cNvPr id="12" name="TextBox 11"/>
+          <p:cNvSpPr txBox="1"/>
+          <p:nvPr/>
+        </p:nvSpPr>
+        <p:spPr>
+          <a:xfrm>
+            <a:off x="1992040" y="1486256"/>
+            <a:ext cx="2427560" cy="2308324"/>
           </a:xfrm>
           <a:prstGeom prst="rect">
             <a:avLst/>
@@ -15310,15 +15110,8 @@
           </a:bodyPr>
           <a:lstStyle/>
           <a:p>
-            <a:pPr marL="285750" indent="-285750">
-              <a:lnSpc>
-                <a:spcPct val="150000"/>
-              </a:lnSpc>
-              <a:buFont typeface="Arial" panose="020B0604020202020204" pitchFamily="34" charset="0"/>
-              <a:buChar char="•"/>
-            </a:pPr>
-            <a:r>
-              <a:rPr lang="en-US" sz="2400" dirty="0" smtClean="0">
+            <a:r>
+              <a:rPr lang="en-US" sz="2400" dirty="0">
                 <a:solidFill>
                   <a:schemeClr val="tx1">
                     <a:lumMod val="65000"/>
@@ -15326,19 +15119,35 @@
                   </a:schemeClr>
                 </a:solidFill>
               </a:rPr>
-              <a:t>HUDUser.org</a:t>
-            </a:r>
-          </a:p>
-          <a:p>
-            <a:pPr marL="285750" indent="-285750">
-              <a:lnSpc>
-                <a:spcPct val="150000"/>
-              </a:lnSpc>
-              <a:buFont typeface="Arial" panose="020B0604020202020204" pitchFamily="34" charset="0"/>
-              <a:buChar char="•"/>
-            </a:pPr>
-            <a:r>
-              <a:rPr lang="en-US" sz="2400" dirty="0" smtClean="0">
+              <a:t>Create a web app for planners to test the viability of the proposed development</a:t>
+            </a:r>
+          </a:p>
+        </p:txBody>
+      </p:sp>
+      <p:sp>
+        <p:nvSpPr>
+          <p:cNvPr id="13" name="TextBox 12"/>
+          <p:cNvSpPr txBox="1"/>
+          <p:nvPr/>
+        </p:nvSpPr>
+        <p:spPr>
+          <a:xfrm>
+            <a:off x="5583534" y="1558826"/>
+            <a:ext cx="2646066" cy="2308324"/>
+          </a:xfrm>
+          <a:prstGeom prst="rect">
+            <a:avLst/>
+          </a:prstGeom>
+          <a:noFill/>
+        </p:spPr>
+        <p:txBody>
+          <a:bodyPr wrap="square" rtlCol="0">
+            <a:spAutoFit/>
+          </a:bodyPr>
+          <a:lstStyle/>
+          <a:p>
+            <a:r>
+              <a:rPr lang="en-US" sz="2400" dirty="0">
                 <a:solidFill>
                   <a:schemeClr val="tx1">
                     <a:lumMod val="65000"/>
@@ -15346,69 +15155,7 @@
                   </a:schemeClr>
                 </a:solidFill>
               </a:rPr>
-              <a:t>US Census American Community Survey</a:t>
-            </a:r>
-          </a:p>
-          <a:p>
-            <a:pPr marL="285750" indent="-285750">
-              <a:lnSpc>
-                <a:spcPct val="150000"/>
-              </a:lnSpc>
-              <a:buFont typeface="Arial" panose="020B0604020202020204" pitchFamily="34" charset="0"/>
-              <a:buChar char="•"/>
-            </a:pPr>
-            <a:r>
-              <a:rPr lang="en-US" sz="2400" dirty="0" smtClean="0">
-                <a:solidFill>
-                  <a:schemeClr val="tx1">
-                    <a:lumMod val="65000"/>
-                    <a:lumOff val="35000"/>
-                  </a:schemeClr>
-                </a:solidFill>
-              </a:rPr>
-              <a:t>Colleagues at </a:t>
-            </a:r>
-            <a:r>
-              <a:rPr lang="en-US" sz="2400" dirty="0" err="1" smtClean="0">
-                <a:solidFill>
-                  <a:schemeClr val="tx1">
-                    <a:lumMod val="65000"/>
-                    <a:lumOff val="35000"/>
-                  </a:schemeClr>
-                </a:solidFill>
-              </a:rPr>
-              <a:t>Novogradac</a:t>
-            </a:r>
-            <a:r>
-              <a:rPr lang="en-US" sz="2400" dirty="0" smtClean="0">
-                <a:solidFill>
-                  <a:schemeClr val="tx1">
-                    <a:lumMod val="65000"/>
-                    <a:lumOff val="35000"/>
-                  </a:schemeClr>
-                </a:solidFill>
-              </a:rPr>
-              <a:t> &amp; Company LLP</a:t>
-            </a:r>
-          </a:p>
-          <a:p>
-            <a:pPr marL="285750" indent="-285750">
-              <a:lnSpc>
-                <a:spcPct val="150000"/>
-              </a:lnSpc>
-              <a:buFont typeface="Arial" panose="020B0604020202020204" pitchFamily="34" charset="0"/>
-              <a:buChar char="•"/>
-            </a:pPr>
-            <a:r>
-              <a:rPr lang="en-US" sz="2400" dirty="0" smtClean="0">
-                <a:solidFill>
-                  <a:schemeClr val="tx1">
-                    <a:lumMod val="65000"/>
-                    <a:lumOff val="35000"/>
-                  </a:schemeClr>
-                </a:solidFill>
-              </a:rPr>
-              <a:t>General Assembly DC!</a:t>
+              <a:t>Understand how to best place low income housing developments and use a tool for advocacy</a:t>
             </a:r>
           </a:p>
         </p:txBody>
@@ -15416,20 +15163,13 @@
     </p:spTree>
     <p:extLst>
       <p:ext uri="{BB962C8B-B14F-4D97-AF65-F5344CB8AC3E}">
-        <p14:creationId xmlns:p14="http://schemas.microsoft.com/office/powerpoint/2010/main" val="2738103569"/>
+        <p14:creationId xmlns:p14="http://schemas.microsoft.com/office/powerpoint/2010/main" val="1056703543"/>
       </p:ext>
     </p:extLst>
   </p:cSld>
   <p:clrMapOvr>
     <a:masterClrMapping/>
   </p:clrMapOvr>
-  <p:timing>
-    <p:tnLst>
-      <p:par>
-        <p:cTn id="1" dur="indefinite" restart="never" nodeType="tmRoot"/>
-      </p:par>
-    </p:tnLst>
-  </p:timing>
 </p:sld>
 </file>
 
@@ -15634,6 +15374,372 @@
         <p:spPr>
           <a:xfrm>
             <a:off x="1219200" y="255917"/>
+            <a:ext cx="1106393" cy="461665"/>
+          </a:xfrm>
+          <a:prstGeom prst="rect">
+            <a:avLst/>
+          </a:prstGeom>
+          <a:noFill/>
+        </p:spPr>
+        <p:txBody>
+          <a:bodyPr wrap="none" rtlCol="0">
+            <a:spAutoFit/>
+          </a:bodyPr>
+          <a:lstStyle/>
+          <a:p>
+            <a:r>
+              <a:rPr lang="en-US" sz="2400" dirty="0">
+                <a:solidFill>
+                  <a:schemeClr val="tx1">
+                    <a:lumMod val="65000"/>
+                    <a:lumOff val="35000"/>
+                  </a:schemeClr>
+                </a:solidFill>
+              </a:rPr>
+              <a:t>Credits</a:t>
+            </a:r>
+          </a:p>
+        </p:txBody>
+      </p:sp>
+      <p:sp>
+        <p:nvSpPr>
+          <p:cNvPr id="8" name="TextBox 7"/>
+          <p:cNvSpPr txBox="1"/>
+          <p:nvPr/>
+        </p:nvSpPr>
+        <p:spPr>
+          <a:xfrm>
+            <a:off x="1132114" y="1504950"/>
+            <a:ext cx="7315200" cy="2240613"/>
+          </a:xfrm>
+          <a:prstGeom prst="rect">
+            <a:avLst/>
+          </a:prstGeom>
+          <a:noFill/>
+        </p:spPr>
+        <p:txBody>
+          <a:bodyPr wrap="square" rtlCol="0">
+            <a:spAutoFit/>
+          </a:bodyPr>
+          <a:lstStyle/>
+          <a:p>
+            <a:pPr marL="285750" indent="-285750">
+              <a:lnSpc>
+                <a:spcPct val="150000"/>
+              </a:lnSpc>
+              <a:buFont typeface="Arial" panose="020B0604020202020204" pitchFamily="34" charset="0"/>
+              <a:buChar char="•"/>
+            </a:pPr>
+            <a:r>
+              <a:rPr lang="en-US" sz="2400" dirty="0">
+                <a:solidFill>
+                  <a:schemeClr val="tx1">
+                    <a:lumMod val="65000"/>
+                    <a:lumOff val="35000"/>
+                  </a:schemeClr>
+                </a:solidFill>
+              </a:rPr>
+              <a:t>HUDUser.org</a:t>
+            </a:r>
+          </a:p>
+          <a:p>
+            <a:pPr marL="285750" indent="-285750">
+              <a:lnSpc>
+                <a:spcPct val="150000"/>
+              </a:lnSpc>
+              <a:buFont typeface="Arial" panose="020B0604020202020204" pitchFamily="34" charset="0"/>
+              <a:buChar char="•"/>
+            </a:pPr>
+            <a:r>
+              <a:rPr lang="en-US" sz="2400" dirty="0">
+                <a:solidFill>
+                  <a:schemeClr val="tx1">
+                    <a:lumMod val="65000"/>
+                    <a:lumOff val="35000"/>
+                  </a:schemeClr>
+                </a:solidFill>
+              </a:rPr>
+              <a:t>US Census American Community Survey</a:t>
+            </a:r>
+          </a:p>
+          <a:p>
+            <a:pPr marL="285750" indent="-285750">
+              <a:lnSpc>
+                <a:spcPct val="150000"/>
+              </a:lnSpc>
+              <a:buFont typeface="Arial" panose="020B0604020202020204" pitchFamily="34" charset="0"/>
+              <a:buChar char="•"/>
+            </a:pPr>
+            <a:r>
+              <a:rPr lang="en-US" sz="2400" dirty="0">
+                <a:solidFill>
+                  <a:schemeClr val="tx1">
+                    <a:lumMod val="65000"/>
+                    <a:lumOff val="35000"/>
+                  </a:schemeClr>
+                </a:solidFill>
+              </a:rPr>
+              <a:t>Colleagues at </a:t>
+            </a:r>
+            <a:r>
+              <a:rPr lang="en-US" sz="2400" dirty="0" err="1">
+                <a:solidFill>
+                  <a:schemeClr val="tx1">
+                    <a:lumMod val="65000"/>
+                    <a:lumOff val="35000"/>
+                  </a:schemeClr>
+                </a:solidFill>
+              </a:rPr>
+              <a:t>Novogradac</a:t>
+            </a:r>
+            <a:r>
+              <a:rPr lang="en-US" sz="2400" dirty="0">
+                <a:solidFill>
+                  <a:schemeClr val="tx1">
+                    <a:lumMod val="65000"/>
+                    <a:lumOff val="35000"/>
+                  </a:schemeClr>
+                </a:solidFill>
+              </a:rPr>
+              <a:t> &amp; Company LLP</a:t>
+            </a:r>
+          </a:p>
+          <a:p>
+            <a:pPr marL="285750" indent="-285750">
+              <a:lnSpc>
+                <a:spcPct val="150000"/>
+              </a:lnSpc>
+              <a:buFont typeface="Arial" panose="020B0604020202020204" pitchFamily="34" charset="0"/>
+              <a:buChar char="•"/>
+            </a:pPr>
+            <a:r>
+              <a:rPr lang="en-US" sz="2400" dirty="0">
+                <a:solidFill>
+                  <a:schemeClr val="tx1">
+                    <a:lumMod val="65000"/>
+                    <a:lumOff val="35000"/>
+                  </a:schemeClr>
+                </a:solidFill>
+              </a:rPr>
+              <a:t>General Assembly DC!</a:t>
+            </a:r>
+          </a:p>
+        </p:txBody>
+      </p:sp>
+    </p:spTree>
+    <p:extLst>
+      <p:ext uri="{BB962C8B-B14F-4D97-AF65-F5344CB8AC3E}">
+        <p14:creationId xmlns:p14="http://schemas.microsoft.com/office/powerpoint/2010/main" val="2738103569"/>
+      </p:ext>
+    </p:extLst>
+  </p:cSld>
+  <p:clrMapOvr>
+    <a:masterClrMapping/>
+  </p:clrMapOvr>
+</p:sld>
+</file>
+
+<file path=ppt/slides/slide22.xml><?xml version="1.0" encoding="utf-8"?>
+<p:sld xmlns:a="http://schemas.openxmlformats.org/drawingml/2006/main" xmlns:r="http://schemas.openxmlformats.org/officeDocument/2006/relationships" xmlns:p="http://schemas.openxmlformats.org/presentationml/2006/main">
+  <p:cSld>
+    <p:spTree>
+      <p:nvGrpSpPr>
+        <p:cNvPr id="1" name=""/>
+        <p:cNvGrpSpPr/>
+        <p:nvPr/>
+      </p:nvGrpSpPr>
+      <p:grpSpPr>
+        <a:xfrm>
+          <a:off x="0" y="0"/>
+          <a:ext cx="0" cy="0"/>
+          <a:chOff x="0" y="0"/>
+          <a:chExt cx="0" cy="0"/>
+        </a:xfrm>
+      </p:grpSpPr>
+      <p:cxnSp>
+        <p:nvCxnSpPr>
+          <p:cNvPr id="5" name="Straight Connector 4"/>
+          <p:cNvCxnSpPr/>
+          <p:nvPr/>
+        </p:nvCxnSpPr>
+        <p:spPr>
+          <a:xfrm>
+            <a:off x="0" y="503796"/>
+            <a:ext cx="9144000" cy="0"/>
+          </a:xfrm>
+          <a:prstGeom prst="line">
+            <a:avLst/>
+          </a:prstGeom>
+          <a:ln w="19050">
+            <a:solidFill>
+              <a:schemeClr val="tx2">
+                <a:lumMod val="40000"/>
+                <a:lumOff val="60000"/>
+              </a:schemeClr>
+            </a:solidFill>
+          </a:ln>
+        </p:spPr>
+        <p:style>
+          <a:lnRef idx="1">
+            <a:schemeClr val="accent1"/>
+          </a:lnRef>
+          <a:fillRef idx="0">
+            <a:schemeClr val="accent1"/>
+          </a:fillRef>
+          <a:effectRef idx="0">
+            <a:schemeClr val="accent1"/>
+          </a:effectRef>
+          <a:fontRef idx="minor">
+            <a:schemeClr val="tx1"/>
+          </a:fontRef>
+        </p:style>
+      </p:cxnSp>
+      <p:grpSp>
+        <p:nvGrpSpPr>
+          <p:cNvPr id="2" name="Group 1"/>
+          <p:cNvGrpSpPr/>
+          <p:nvPr/>
+        </p:nvGrpSpPr>
+        <p:grpSpPr>
+          <a:xfrm>
+            <a:off x="288760" y="152400"/>
+            <a:ext cx="685800" cy="685800"/>
+            <a:chOff x="762000" y="647700"/>
+            <a:chExt cx="952500" cy="952500"/>
+          </a:xfrm>
+        </p:grpSpPr>
+        <p:sp>
+          <p:nvSpPr>
+            <p:cNvPr id="7" name="Oval 6"/>
+            <p:cNvSpPr/>
+            <p:nvPr/>
+          </p:nvSpPr>
+          <p:spPr>
+            <a:xfrm>
+              <a:off x="762000" y="647700"/>
+              <a:ext cx="952500" cy="952500"/>
+            </a:xfrm>
+            <a:prstGeom prst="ellipse">
+              <a:avLst/>
+            </a:prstGeom>
+            <a:solidFill>
+              <a:schemeClr val="accent4"/>
+            </a:solidFill>
+            <a:ln>
+              <a:noFill/>
+            </a:ln>
+          </p:spPr>
+          <p:style>
+            <a:lnRef idx="2">
+              <a:schemeClr val="accent1">
+                <a:shade val="50000"/>
+              </a:schemeClr>
+            </a:lnRef>
+            <a:fillRef idx="1">
+              <a:schemeClr val="accent1"/>
+            </a:fillRef>
+            <a:effectRef idx="0">
+              <a:schemeClr val="accent1"/>
+            </a:effectRef>
+            <a:fontRef idx="minor">
+              <a:schemeClr val="lt1"/>
+            </a:fontRef>
+          </p:style>
+          <p:txBody>
+            <a:bodyPr rtlCol="0" anchor="ctr"/>
+            <a:lstStyle/>
+            <a:p>
+              <a:pPr algn="ctr"/>
+              <a:endParaRPr lang="en-US"/>
+            </a:p>
+          </p:txBody>
+        </p:sp>
+        <p:pic>
+          <p:nvPicPr>
+            <p:cNvPr id="9" name="Picture 8"/>
+            <p:cNvPicPr>
+              <a:picLocks noChangeAspect="1"/>
+            </p:cNvPicPr>
+            <p:nvPr/>
+          </p:nvPicPr>
+          <p:blipFill>
+            <a:blip r:embed="rId2" cstate="print">
+              <a:extLst>
+                <a:ext uri="{28A0092B-C50C-407E-A947-70E740481C1C}">
+                  <a14:useLocalDpi xmlns:a14="http://schemas.microsoft.com/office/drawing/2010/main" val="0"/>
+                </a:ext>
+              </a:extLst>
+            </a:blip>
+            <a:stretch>
+              <a:fillRect/>
+            </a:stretch>
+          </p:blipFill>
+          <p:spPr>
+            <a:xfrm>
+              <a:off x="920474" y="800416"/>
+              <a:ext cx="623318" cy="623318"/>
+            </a:xfrm>
+            <a:prstGeom prst="rect">
+              <a:avLst/>
+            </a:prstGeom>
+          </p:spPr>
+        </p:pic>
+      </p:grpSp>
+      <p:sp>
+        <p:nvSpPr>
+          <p:cNvPr id="4" name="Rectangle 3"/>
+          <p:cNvSpPr/>
+          <p:nvPr/>
+        </p:nvSpPr>
+        <p:spPr>
+          <a:xfrm>
+            <a:off x="1219200" y="152400"/>
+            <a:ext cx="1106393" cy="685800"/>
+          </a:xfrm>
+          <a:prstGeom prst="rect">
+            <a:avLst/>
+          </a:prstGeom>
+          <a:solidFill>
+            <a:schemeClr val="bg1"/>
+          </a:solidFill>
+          <a:ln>
+            <a:noFill/>
+          </a:ln>
+        </p:spPr>
+        <p:style>
+          <a:lnRef idx="2">
+            <a:schemeClr val="accent1">
+              <a:shade val="50000"/>
+            </a:schemeClr>
+          </a:lnRef>
+          <a:fillRef idx="1">
+            <a:schemeClr val="accent1"/>
+          </a:fillRef>
+          <a:effectRef idx="0">
+            <a:schemeClr val="accent1"/>
+          </a:effectRef>
+          <a:fontRef idx="minor">
+            <a:schemeClr val="lt1"/>
+          </a:fontRef>
+        </p:style>
+        <p:txBody>
+          <a:bodyPr rtlCol="0" anchor="ctr"/>
+          <a:lstStyle/>
+          <a:p>
+            <a:pPr algn="ctr"/>
+            <a:endParaRPr lang="en-US"/>
+          </a:p>
+        </p:txBody>
+      </p:sp>
+      <p:sp>
+        <p:nvSpPr>
+          <p:cNvPr id="3" name="TextBox 2"/>
+          <p:cNvSpPr txBox="1"/>
+          <p:nvPr/>
+        </p:nvSpPr>
+        <p:spPr>
+          <a:xfrm>
+            <a:off x="1219200" y="255917"/>
             <a:ext cx="1221809" cy="461665"/>
           </a:xfrm>
           <a:prstGeom prst="rect">
@@ -15648,7 +15754,7 @@
           <a:lstStyle/>
           <a:p>
             <a:r>
-              <a:rPr lang="en-US" sz="2400" dirty="0" smtClean="0">
+              <a:rPr lang="en-US" sz="2400" dirty="0">
                 <a:solidFill>
                   <a:schemeClr val="tx1">
                     <a:lumMod val="65000"/>
@@ -15689,7 +15795,7 @@
               </a:lnSpc>
             </a:pPr>
             <a:r>
-              <a:rPr lang="en-US" sz="2400" dirty="0" smtClean="0">
+              <a:rPr lang="en-US" sz="2400" dirty="0">
                 <a:solidFill>
                   <a:schemeClr val="tx1">
                     <a:lumMod val="65000"/>
@@ -15725,7 +15831,7 @@
           <a:lstStyle/>
           <a:p>
             <a:r>
-              <a:rPr lang="en-US" sz="2000" dirty="0" smtClean="0">
+              <a:rPr lang="en-US" sz="2000" dirty="0">
                 <a:solidFill>
                   <a:schemeClr val="tx1">
                     <a:lumMod val="65000"/>
@@ -15738,7 +15844,7 @@
           </a:p>
           <a:p>
             <a:r>
-              <a:rPr lang="en-US" sz="2000" dirty="0" smtClean="0">
+              <a:rPr lang="en-US" sz="2000" dirty="0">
                 <a:solidFill>
                   <a:schemeClr val="accent4"/>
                 </a:solidFill>
@@ -15746,7 +15852,7 @@
               <a:t>David </a:t>
             </a:r>
             <a:r>
-              <a:rPr lang="en-US" sz="2000" dirty="0" err="1" smtClean="0">
+              <a:rPr lang="en-US" sz="2000" dirty="0" err="1">
                 <a:solidFill>
                   <a:schemeClr val="accent4"/>
                 </a:solidFill>
@@ -15754,7 +15860,7 @@
               <a:t>Grubman</a:t>
             </a:r>
             <a:r>
-              <a:rPr lang="en-US" sz="2000" dirty="0" smtClean="0">
+              <a:rPr lang="en-US" sz="2000" dirty="0">
                 <a:solidFill>
                   <a:schemeClr val="tx1">
                     <a:lumMod val="65000"/>
@@ -15777,13 +15883,6 @@
   <p:clrMapOvr>
     <a:masterClrMapping/>
   </p:clrMapOvr>
-  <p:timing>
-    <p:tnLst>
-      <p:par>
-        <p:cTn id="1" dur="indefinite" restart="never" nodeType="tmRoot"/>
-      </p:par>
-    </p:tnLst>
-  </p:timing>
 </p:sld>
 </file>
 
@@ -16022,18 +16121,13 @@
           <a:p>
             <a:pPr algn="l"/>
             <a:r>
-              <a:rPr lang="en" sz="7200" b="1" dirty="0" smtClean="0">
+              <a:rPr lang="en" sz="7200" b="1" dirty="0">
                 <a:solidFill>
                   <a:schemeClr val="accent4"/>
                 </a:solidFill>
               </a:rPr>
               <a:t>38,365 </a:t>
             </a:r>
-            <a:endParaRPr lang="en" sz="7200" b="1" dirty="0">
-              <a:solidFill>
-                <a:schemeClr val="accent4"/>
-              </a:solidFill>
-            </a:endParaRPr>
           </a:p>
         </p:txBody>
       </p:sp>
@@ -16230,7 +16324,7 @@
           <a:lstStyle/>
           <a:p>
             <a:r>
-              <a:rPr lang="en-US" sz="2400" dirty="0" smtClean="0">
+              <a:rPr lang="en-US" sz="2400" dirty="0">
                 <a:solidFill>
                   <a:schemeClr val="tx1">
                     <a:lumMod val="65000"/>
@@ -16253,13 +16347,6 @@
   <p:clrMapOvr>
     <a:masterClrMapping/>
   </p:clrMapOvr>
-  <p:timing>
-    <p:tnLst>
-      <p:par>
-        <p:cTn id="1" dur="indefinite" restart="never" nodeType="tmRoot"/>
-      </p:par>
-    </p:tnLst>
-  </p:timing>
 </p:sld>
 </file>
 
@@ -16478,7 +16565,7 @@
           <a:lstStyle/>
           <a:p>
             <a:r>
-              <a:rPr lang="en-US" sz="2400" dirty="0" smtClean="0">
+              <a:rPr lang="en-US" sz="2400" dirty="0">
                 <a:solidFill>
                   <a:schemeClr val="tx1">
                     <a:lumMod val="65000"/>
@@ -16514,7 +16601,7 @@
           <a:lstStyle/>
           <a:p>
             <a:r>
-              <a:rPr lang="en-US" sz="5400" dirty="0" smtClean="0">
+              <a:rPr lang="en-US" sz="5400" dirty="0">
                 <a:solidFill>
                   <a:schemeClr val="accent4"/>
                 </a:solidFill>
@@ -16547,7 +16634,7 @@
           <a:lstStyle/>
           <a:p>
             <a:r>
-              <a:rPr lang="en-US" sz="5400" dirty="0" smtClean="0">
+              <a:rPr lang="en-US" sz="5400" dirty="0">
                 <a:solidFill>
                   <a:schemeClr val="accent4"/>
                 </a:solidFill>
@@ -16580,7 +16667,7 @@
           <a:lstStyle/>
           <a:p>
             <a:r>
-              <a:rPr lang="en-US" sz="2400" dirty="0" smtClean="0">
+              <a:rPr lang="en-US" sz="2400" dirty="0">
                 <a:solidFill>
                   <a:schemeClr val="tx1">
                     <a:lumMod val="65000"/>
@@ -16616,7 +16703,7 @@
           <a:lstStyle/>
           <a:p>
             <a:r>
-              <a:rPr lang="en-US" sz="2400" dirty="0" smtClean="0">
+              <a:rPr lang="en-US" sz="2400" dirty="0">
                 <a:solidFill>
                   <a:schemeClr val="tx1">
                     <a:lumMod val="65000"/>
@@ -16639,13 +16726,6 @@
   <p:clrMapOvr>
     <a:masterClrMapping/>
   </p:clrMapOvr>
-  <p:timing>
-    <p:tnLst>
-      <p:par>
-        <p:cTn id="1" dur="indefinite" restart="never" nodeType="tmRoot"/>
-      </p:par>
-    </p:tnLst>
-  </p:timing>
 </p:sld>
 </file>
 
@@ -16945,7 +17025,7 @@
           <a:p>
             <a:pPr algn="ctr"/>
             <a:r>
-              <a:rPr lang="en-US" sz="2400" dirty="0" smtClean="0">
+              <a:rPr lang="en-US" sz="2400" dirty="0">
                 <a:solidFill>
                   <a:schemeClr val="bg1"/>
                 </a:solidFill>
@@ -16983,7 +17063,7 @@
               </a:lnSpc>
             </a:pPr>
             <a:r>
-              <a:rPr lang="en-US" sz="3200" dirty="0" smtClean="0">
+              <a:rPr lang="en-US" sz="3200" dirty="0">
                 <a:solidFill>
                   <a:schemeClr val="bg1"/>
                 </a:solidFill>
@@ -17017,7 +17097,7 @@
           <a:p>
             <a:pPr algn="ctr"/>
             <a:r>
-              <a:rPr lang="en-US" i="1" dirty="0" smtClean="0">
+              <a:rPr lang="en-US" i="1" dirty="0">
                 <a:solidFill>
                   <a:schemeClr val="bg1"/>
                 </a:solidFill>
@@ -17037,13 +17117,6 @@
   <p:clrMapOvr>
     <a:masterClrMapping/>
   </p:clrMapOvr>
-  <p:timing>
-    <p:tnLst>
-      <p:par>
-        <p:cTn id="1" dur="indefinite" restart="never" nodeType="tmRoot"/>
-      </p:par>
-    </p:tnLst>
-  </p:timing>
 </p:sld>
 </file>
 
@@ -17262,7 +17335,7 @@
           <a:lstStyle/>
           <a:p>
             <a:r>
-              <a:rPr lang="en-US" sz="2400" dirty="0" smtClean="0">
+              <a:rPr lang="en-US" sz="2400" dirty="0">
                 <a:solidFill>
                   <a:schemeClr val="tx1">
                     <a:lumMod val="65000"/>
@@ -17298,7 +17371,7 @@
           <a:lstStyle/>
           <a:p>
             <a:r>
-              <a:rPr lang="en-US" sz="2000" dirty="0" smtClean="0">
+              <a:rPr lang="en-US" sz="2000" dirty="0">
                 <a:solidFill>
                   <a:schemeClr val="tx1">
                     <a:lumMod val="65000"/>
@@ -17309,7 +17382,7 @@
               <a:t>Provided by Housing And Urban Development and is geocoded. </a:t>
             </a:r>
             <a:br>
-              <a:rPr lang="en-US" sz="2000" dirty="0" smtClean="0">
+              <a:rPr lang="en-US" sz="2000" dirty="0">
                 <a:solidFill>
                   <a:schemeClr val="tx1">
                     <a:lumMod val="65000"/>
@@ -17319,7 +17392,7 @@
               </a:rPr>
             </a:br>
             <a:r>
-              <a:rPr lang="en-US" sz="2000" dirty="0" smtClean="0">
+              <a:rPr lang="en-US" sz="2000" dirty="0">
                 <a:solidFill>
                   <a:schemeClr val="tx1">
                     <a:lumMod val="65000"/>
@@ -17405,7 +17478,7 @@
               <a:buNone/>
             </a:pPr>
             <a:r>
-              <a:rPr lang="en-US" sz="900" dirty="0" smtClean="0">
+              <a:rPr lang="en-US" sz="900" dirty="0">
                 <a:solidFill>
                   <a:schemeClr val="tx1">
                     <a:lumMod val="65000"/>
@@ -17415,14 +17488,6 @@
               </a:rPr>
               <a:t>['FID', 'OBJECTID', 'HUD_ID', 'PROJECT', 'PROJ_ADD', 'PROJ_CTY', 'PROJ_ST', 'PROJ_ZIP', 'STATE_ID', 'CONTACT', 'COMPANY', 'CO_ADD', 'CO_CTY', 'CO_ST', 'CO_ZIP', 'CO_TEL', 'ALLOCAMT', 'N_UNITS', 'LI_UNITS', 'N_0BR', 'N_1BR', 'N_2BR', 'N_3BR', 'N_4BR', 'INC_CEIL', 'LOW_CEIL', 'CEILUNIT', 'YR_PIS', 'YR_ALLOC', 'NON_PROF', 'BASIS', 'BOND', 'MFF_RA', 'MFF_RA_ID', 'FMHA_514', 'RDNUM_514', 'FMHA_515', 'RDNUM_515', 'FMHA_538', 'RDNUM_538', 'HOME', 'HOME_AMT', 'HOME_IDISI', 'TCAP', 'TCAP_AMT', 'TCAP_IDISI', 'CDBG', 'CDBG_AMT', 'CDBG_IDISI', 'FHA', 'FHA_NUM', 'HOPEVI', 'HPVI_AMT', 'TCEP', 'TCEP_AMT', 'RENTASSIST', 'TRGT_POP', 'TRGT_FAM', 'TRGT_ELD', 'TRGT_DIS', 'TRGT_HML', 'TRGT_OTHER', 'TRGT_SPC', 'TYPE', 'CREDIT', 'N_UNITSR', 'LI_UNITR', 'DDA', 'QCT', 'NONPROG', 'DATANOTE', 'METRO_TRAC', 'STATE2KX', 'CNTY_NM2KX', 'CNTY2KX', 'TRACT2KX', 'BG2KX', 'BLOCK2KX', 'CURCNTY_NM', 'CURCNTY', 'CURCOSUB', 'CURCOSUB_N', 'PLACE2KX', 'PLACE_NM2K', 'PLACE_CC2K', 'PLACE_INC2', 'MSA_NM', 'CBSA_NM', 'NECTA', 'NECTA_NM', 'METRO', 'MICRO', 'FCD_FIPS91', 'HLC', 'DPV', 'DPVRC', 'STD_ADDR', 'URB_OUT', 'STD_CITY', 'STD_ST', 'STD_ZIP5', 'STD_ZIP9', 'ZIP_CLASS', 'ZCTA2KX', 'DPBC', 'DPBC_CKSUM', 'STD_ZIP11', 'ADDR_TYPE', 'APT_NO', 'APT_TYPE', 'C1PGRC', 'C1PPRB', 'C1PDRC', 'C1PSRC', 'C1PARC', 'C1PRC9', 'MSGUSPS', 'LAT', 'LON', 'RC2KX', 'STM2KX', 'LVL2KX', 'UR', 'MSG2KX', 'COUNTY_LEV', 'PLACE_LEVE', 'TRACT_LEVE', 'BLKGRP_LEV', 'MSA', 'CBSA']</a:t>
             </a:r>
-            <a:endParaRPr lang="en-US" sz="900" dirty="0">
-              <a:solidFill>
-                <a:schemeClr val="tx1">
-                  <a:lumMod val="65000"/>
-                  <a:lumOff val="35000"/>
-                </a:schemeClr>
-              </a:solidFill>
-            </a:endParaRPr>
           </a:p>
         </p:txBody>
       </p:sp>
@@ -17436,13 +17501,6 @@
   <p:clrMapOvr>
     <a:masterClrMapping/>
   </p:clrMapOvr>
-  <p:timing>
-    <p:tnLst>
-      <p:par>
-        <p:cTn id="1" dur="indefinite" restart="never" nodeType="tmRoot"/>
-      </p:par>
-    </p:tnLst>
-  </p:timing>
 </p:sld>
 </file>
 
@@ -17661,7 +17719,7 @@
           <a:lstStyle/>
           <a:p>
             <a:r>
-              <a:rPr lang="en-US" sz="2400" dirty="0" smtClean="0">
+              <a:rPr lang="en-US" sz="2400" dirty="0">
                 <a:solidFill>
                   <a:schemeClr val="tx1">
                     <a:lumMod val="65000"/>
@@ -17697,7 +17755,7 @@
           <a:lstStyle/>
           <a:p>
             <a:r>
-              <a:rPr lang="en-US" sz="2000" dirty="0" smtClean="0">
+              <a:rPr lang="en-US" sz="2000" dirty="0">
                 <a:solidFill>
                   <a:schemeClr val="tx1">
                     <a:lumMod val="65000"/>
@@ -17709,7 +17767,7 @@
             </a:r>
           </a:p>
           <a:p>
-            <a:endParaRPr lang="en-US" sz="2000" dirty="0" smtClean="0">
+            <a:endParaRPr lang="en-US" sz="2000" dirty="0">
               <a:solidFill>
                 <a:schemeClr val="tx1">
                   <a:lumMod val="65000"/>
@@ -17720,7 +17778,7 @@
           </a:p>
           <a:p>
             <a:r>
-              <a:rPr lang="en-US" sz="2000" dirty="0" smtClean="0">
+              <a:rPr lang="en-US" sz="2000" dirty="0">
                 <a:solidFill>
                   <a:schemeClr val="tx1">
                     <a:lumMod val="65000"/>
@@ -17732,7 +17790,7 @@
             </a:r>
           </a:p>
           <a:p>
-            <a:endParaRPr lang="en-US" sz="2000" dirty="0" smtClean="0">
+            <a:endParaRPr lang="en-US" sz="2000" dirty="0">
               <a:solidFill>
                 <a:schemeClr val="tx1">
                   <a:lumMod val="65000"/>
@@ -17742,7 +17800,7 @@
             </a:endParaRPr>
           </a:p>
           <a:p>
-            <a:endParaRPr lang="en-US" sz="2000" dirty="0" smtClean="0">
+            <a:endParaRPr lang="en-US" sz="2000" dirty="0">
               <a:solidFill>
                 <a:schemeClr val="tx1">
                   <a:lumMod val="65000"/>
@@ -17786,13 +17844,6 @@
   <p:clrMapOvr>
     <a:masterClrMapping/>
   </p:clrMapOvr>
-  <p:timing>
-    <p:tnLst>
-      <p:par>
-        <p:cTn id="1" dur="indefinite" restart="never" nodeType="tmRoot"/>
-      </p:par>
-    </p:tnLst>
-  </p:timing>
 </p:sld>
 </file>
 
@@ -18011,7 +18062,7 @@
           <a:lstStyle/>
           <a:p>
             <a:r>
-              <a:rPr lang="en-US" sz="2400" dirty="0" smtClean="0">
+              <a:rPr lang="en-US" sz="2400" dirty="0">
                 <a:solidFill>
                   <a:schemeClr val="tx1">
                     <a:lumMod val="65000"/>
@@ -18047,7 +18098,7 @@
           <a:lstStyle/>
           <a:p>
             <a:r>
-              <a:rPr lang="en-US" sz="2000" dirty="0" smtClean="0">
+              <a:rPr lang="en-US" sz="2000" dirty="0">
                 <a:solidFill>
                   <a:schemeClr val="tx1">
                     <a:lumMod val="65000"/>
@@ -18064,7 +18115,7 @@
               <a:buChar char="•"/>
             </a:pPr>
             <a:r>
-              <a:rPr lang="en-US" sz="2000" dirty="0" smtClean="0">
+              <a:rPr lang="en-US" sz="2000" dirty="0">
                 <a:solidFill>
                   <a:schemeClr val="tx1">
                     <a:lumMod val="65000"/>
@@ -18076,7 +18127,7 @@
             </a:r>
           </a:p>
           <a:p>
-            <a:endParaRPr lang="en-US" sz="2000" dirty="0" smtClean="0">
+            <a:endParaRPr lang="en-US" sz="2000" dirty="0">
               <a:solidFill>
                 <a:schemeClr val="tx1">
                   <a:lumMod val="65000"/>
@@ -18125,13 +18176,6 @@
   <p:clrMapOvr>
     <a:masterClrMapping/>
   </p:clrMapOvr>
-  <p:timing>
-    <p:tnLst>
-      <p:par>
-        <p:cTn id="1" dur="indefinite" restart="never" nodeType="tmRoot"/>
-      </p:par>
-    </p:tnLst>
-  </p:timing>
 </p:sld>
 </file>
 
@@ -18350,7 +18394,7 @@
           <a:lstStyle/>
           <a:p>
             <a:r>
-              <a:rPr lang="en-US" sz="2400" dirty="0" smtClean="0">
+              <a:rPr lang="en-US" sz="2400" dirty="0">
                 <a:solidFill>
                   <a:schemeClr val="tx1">
                     <a:lumMod val="65000"/>
@@ -18730,7 +18774,7 @@
           <a:p>
             <a:pPr algn="ctr"/>
             <a:r>
-              <a:rPr lang="en-US" sz="1600" dirty="0" smtClean="0">
+              <a:rPr lang="en-US" sz="1600" dirty="0">
                 <a:solidFill>
                   <a:schemeClr val="tx1">
                     <a:lumMod val="65000"/>
@@ -18741,15 +18785,6 @@
               </a:rPr>
               <a:t>Mine, clean, and visualize data from Housing and Urban Development.</a:t>
             </a:r>
-            <a:endParaRPr lang="en-US" sz="1600" dirty="0">
-              <a:solidFill>
-                <a:schemeClr val="tx1">
-                  <a:lumMod val="65000"/>
-                  <a:lumOff val="35000"/>
-                </a:schemeClr>
-              </a:solidFill>
-              <a:sym typeface="Varela"/>
-            </a:endParaRPr>
           </a:p>
         </p:txBody>
       </p:sp>
@@ -18776,7 +18811,7 @@
           <a:p>
             <a:pPr algn="ctr"/>
             <a:r>
-              <a:rPr lang="en-US" sz="1600" dirty="0" smtClean="0">
+              <a:rPr lang="en-US" sz="1600" dirty="0">
                 <a:solidFill>
                   <a:schemeClr val="tx1">
                     <a:lumMod val="65000"/>
@@ -18813,7 +18848,7 @@
           <a:p>
             <a:pPr algn="ctr"/>
             <a:r>
-              <a:rPr lang="en-US" sz="1600" dirty="0" smtClean="0">
+              <a:rPr lang="en-US" sz="1600" dirty="0">
                 <a:solidFill>
                   <a:schemeClr val="tx1">
                     <a:lumMod val="65000"/>
@@ -18837,13 +18872,6 @@
   <p:clrMapOvr>
     <a:masterClrMapping/>
   </p:clrMapOvr>
-  <p:timing>
-    <p:tnLst>
-      <p:par>
-        <p:cTn id="1" dur="indefinite" restart="never" nodeType="tmRoot"/>
-      </p:par>
-    </p:tnLst>
-  </p:timing>
 </p:sld>
 </file>
 
